--- a/CASE STUDY VOLKSWAGEN POLLUTION SCANDAL.pptx
+++ b/CASE STUDY VOLKSWAGEN POLLUTION SCANDAL.pptx
@@ -1,20 +1,25 @@
 
 <file path=ppt/presentation.xml><?xml version="1.0" encoding="utf-8"?>
-<p:presentation xmlns:a="http://schemas.openxmlformats.org/drawingml/2006/main" xmlns:r="http://schemas.openxmlformats.org/officeDocument/2006/relationships" xmlns:p="http://schemas.openxmlformats.org/presentationml/2006/main" saveSubsetFonts="1">
+<p:presentation xmlns:a="http://schemas.openxmlformats.org/drawingml/2006/main" xmlns:r="http://schemas.openxmlformats.org/officeDocument/2006/relationships" xmlns:p="http://schemas.openxmlformats.org/presentationml/2006/main" showSpecialPlsOnTitleSld="0" saveSubsetFonts="1">
   <p:sldMasterIdLst>
     <p:sldMasterId id="2147483648" r:id="rId1"/>
   </p:sldMasterIdLst>
+  <p:notesMasterIdLst>
+    <p:notesMasterId r:id="rId14"/>
+  </p:notesMasterIdLst>
   <p:sldIdLst>
     <p:sldId id="256" r:id="rId2"/>
     <p:sldId id="257" r:id="rId3"/>
     <p:sldId id="258" r:id="rId4"/>
     <p:sldId id="259" r:id="rId5"/>
     <p:sldId id="260" r:id="rId6"/>
-    <p:sldId id="261" r:id="rId7"/>
-    <p:sldId id="262" r:id="rId8"/>
-    <p:sldId id="263" r:id="rId9"/>
-    <p:sldId id="265" r:id="rId10"/>
-    <p:sldId id="264" r:id="rId11"/>
+    <p:sldId id="266" r:id="rId7"/>
+    <p:sldId id="261" r:id="rId8"/>
+    <p:sldId id="262" r:id="rId9"/>
+    <p:sldId id="263" r:id="rId10"/>
+    <p:sldId id="265" r:id="rId11"/>
+    <p:sldId id="267" r:id="rId12"/>
+    <p:sldId id="264" r:id="rId13"/>
   </p:sldIdLst>
   <p:sldSz cx="9144000" cy="6858000" type="screen4x3"/>
   <p:notesSz cx="6858000" cy="9144000"/>
@@ -113,7 +118,372 @@
       </a:defRPr>
     </a:lvl9pPr>
   </p:defaultTextStyle>
+  <p:extLst>
+    <p:ext uri="{EFAFB233-063F-42B5-8137-9DF3F51BA10A}">
+      <p15:sldGuideLst xmlns:p15="http://schemas.microsoft.com/office/powerpoint/2012/main">
+        <p15:guide id="1" orient="horz" pos="2160">
+          <p15:clr>
+            <a:srgbClr val="A4A3A4"/>
+          </p15:clr>
+        </p15:guide>
+        <p15:guide id="2" pos="2880">
+          <p15:clr>
+            <a:srgbClr val="A4A3A4"/>
+          </p15:clr>
+        </p15:guide>
+      </p15:sldGuideLst>
+    </p:ext>
+  </p:extLst>
 </p:presentation>
+</file>
+
+<file path=ppt/notesMasters/notesMaster1.xml><?xml version="1.0" encoding="utf-8"?>
+<p:notesMaster xmlns:a="http://schemas.openxmlformats.org/drawingml/2006/main" xmlns:r="http://schemas.openxmlformats.org/officeDocument/2006/relationships" xmlns:p="http://schemas.openxmlformats.org/presentationml/2006/main">
+  <p:cSld>
+    <p:bg>
+      <p:bgRef idx="1001">
+        <a:schemeClr val="bg1"/>
+      </p:bgRef>
+    </p:bg>
+    <p:spTree>
+      <p:nvGrpSpPr>
+        <p:cNvPr id="1" name=""/>
+        <p:cNvGrpSpPr/>
+        <p:nvPr/>
+      </p:nvGrpSpPr>
+      <p:grpSpPr>
+        <a:xfrm>
+          <a:off x="0" y="0"/>
+          <a:ext cx="0" cy="0"/>
+          <a:chOff x="0" y="0"/>
+          <a:chExt cx="0" cy="0"/>
+        </a:xfrm>
+      </p:grpSpPr>
+      <p:sp>
+        <p:nvSpPr>
+          <p:cNvPr id="2" name="Header Placeholder 1"/>
+          <p:cNvSpPr>
+            <a:spLocks noGrp="1"/>
+          </p:cNvSpPr>
+          <p:nvPr>
+            <p:ph type="hdr" sz="quarter"/>
+          </p:nvPr>
+        </p:nvSpPr>
+        <p:spPr>
+          <a:xfrm>
+            <a:off x="0" y="0"/>
+            <a:ext cx="2971800" cy="457200"/>
+          </a:xfrm>
+          <a:prstGeom prst="rect">
+            <a:avLst/>
+          </a:prstGeom>
+        </p:spPr>
+        <p:txBody>
+          <a:bodyPr vert="horz" lIns="91440" tIns="45720" rIns="91440" bIns="45720" rtlCol="0"/>
+          <a:lstStyle>
+            <a:lvl1pPr algn="l">
+              <a:defRPr sz="1200"/>
+            </a:lvl1pPr>
+          </a:lstStyle>
+          <a:p>
+            <a:endParaRPr lang="en-US"/>
+          </a:p>
+        </p:txBody>
+      </p:sp>
+      <p:sp>
+        <p:nvSpPr>
+          <p:cNvPr id="3" name="Date Placeholder 2"/>
+          <p:cNvSpPr>
+            <a:spLocks noGrp="1"/>
+          </p:cNvSpPr>
+          <p:nvPr>
+            <p:ph type="dt" idx="1"/>
+          </p:nvPr>
+        </p:nvSpPr>
+        <p:spPr>
+          <a:xfrm>
+            <a:off x="3884613" y="0"/>
+            <a:ext cx="2971800" cy="457200"/>
+          </a:xfrm>
+          <a:prstGeom prst="rect">
+            <a:avLst/>
+          </a:prstGeom>
+        </p:spPr>
+        <p:txBody>
+          <a:bodyPr vert="horz" lIns="91440" tIns="45720" rIns="91440" bIns="45720" rtlCol="0"/>
+          <a:lstStyle>
+            <a:lvl1pPr algn="r">
+              <a:defRPr sz="1200"/>
+            </a:lvl1pPr>
+          </a:lstStyle>
+          <a:p>
+            <a:fld id="{17E9159F-1EFA-47C3-94B8-033299A25585}" type="datetimeFigureOut">
+              <a:rPr lang="en-US" smtClean="0"/>
+              <a:t>3/21/2018</a:t>
+            </a:fld>
+            <a:endParaRPr lang="en-US"/>
+          </a:p>
+        </p:txBody>
+      </p:sp>
+      <p:sp>
+        <p:nvSpPr>
+          <p:cNvPr id="4" name="Slide Image Placeholder 3"/>
+          <p:cNvSpPr>
+            <a:spLocks noGrp="1" noRot="1" noChangeAspect="1"/>
+          </p:cNvSpPr>
+          <p:nvPr>
+            <p:ph type="sldImg" idx="2"/>
+          </p:nvPr>
+        </p:nvSpPr>
+        <p:spPr>
+          <a:xfrm>
+            <a:off x="1143000" y="685800"/>
+            <a:ext cx="4572000" cy="3429000"/>
+          </a:xfrm>
+          <a:prstGeom prst="rect">
+            <a:avLst/>
+          </a:prstGeom>
+          <a:noFill/>
+          <a:ln w="12700">
+            <a:solidFill>
+              <a:prstClr val="black"/>
+            </a:solidFill>
+          </a:ln>
+        </p:spPr>
+        <p:txBody>
+          <a:bodyPr vert="horz" lIns="91440" tIns="45720" rIns="91440" bIns="45720" rtlCol="0" anchor="ctr"/>
+          <a:lstStyle/>
+          <a:p>
+            <a:endParaRPr lang="en-US"/>
+          </a:p>
+        </p:txBody>
+      </p:sp>
+      <p:sp>
+        <p:nvSpPr>
+          <p:cNvPr id="5" name="Notes Placeholder 4"/>
+          <p:cNvSpPr>
+            <a:spLocks noGrp="1"/>
+          </p:cNvSpPr>
+          <p:nvPr>
+            <p:ph type="body" sz="quarter" idx="3"/>
+          </p:nvPr>
+        </p:nvSpPr>
+        <p:spPr>
+          <a:xfrm>
+            <a:off x="685800" y="4343400"/>
+            <a:ext cx="5486400" cy="4114800"/>
+          </a:xfrm>
+          <a:prstGeom prst="rect">
+            <a:avLst/>
+          </a:prstGeom>
+        </p:spPr>
+        <p:txBody>
+          <a:bodyPr vert="horz" lIns="91440" tIns="45720" rIns="91440" bIns="45720" rtlCol="0"/>
+          <a:lstStyle/>
+          <a:p>
+            <a:pPr lvl="0"/>
+            <a:r>
+              <a:rPr lang="en-US"/>
+              <a:t>Click to edit Master text styles</a:t>
+            </a:r>
+          </a:p>
+          <a:p>
+            <a:pPr lvl="1"/>
+            <a:r>
+              <a:rPr lang="en-US"/>
+              <a:t>Second level</a:t>
+            </a:r>
+          </a:p>
+          <a:p>
+            <a:pPr lvl="2"/>
+            <a:r>
+              <a:rPr lang="en-US"/>
+              <a:t>Third level</a:t>
+            </a:r>
+          </a:p>
+          <a:p>
+            <a:pPr lvl="3"/>
+            <a:r>
+              <a:rPr lang="en-US"/>
+              <a:t>Fourth level</a:t>
+            </a:r>
+          </a:p>
+          <a:p>
+            <a:pPr lvl="4"/>
+            <a:r>
+              <a:rPr lang="en-US"/>
+              <a:t>Fifth level</a:t>
+            </a:r>
+          </a:p>
+        </p:txBody>
+      </p:sp>
+      <p:sp>
+        <p:nvSpPr>
+          <p:cNvPr id="6" name="Footer Placeholder 5"/>
+          <p:cNvSpPr>
+            <a:spLocks noGrp="1"/>
+          </p:cNvSpPr>
+          <p:nvPr>
+            <p:ph type="ftr" sz="quarter" idx="4"/>
+          </p:nvPr>
+        </p:nvSpPr>
+        <p:spPr>
+          <a:xfrm>
+            <a:off x="0" y="8685213"/>
+            <a:ext cx="2971800" cy="457200"/>
+          </a:xfrm>
+          <a:prstGeom prst="rect">
+            <a:avLst/>
+          </a:prstGeom>
+        </p:spPr>
+        <p:txBody>
+          <a:bodyPr vert="horz" lIns="91440" tIns="45720" rIns="91440" bIns="45720" rtlCol="0" anchor="b"/>
+          <a:lstStyle>
+            <a:lvl1pPr algn="l">
+              <a:defRPr sz="1200"/>
+            </a:lvl1pPr>
+          </a:lstStyle>
+          <a:p>
+            <a:endParaRPr lang="en-US"/>
+          </a:p>
+        </p:txBody>
+      </p:sp>
+      <p:sp>
+        <p:nvSpPr>
+          <p:cNvPr id="7" name="Slide Number Placeholder 6"/>
+          <p:cNvSpPr>
+            <a:spLocks noGrp="1"/>
+          </p:cNvSpPr>
+          <p:nvPr>
+            <p:ph type="sldNum" sz="quarter" idx="5"/>
+          </p:nvPr>
+        </p:nvSpPr>
+        <p:spPr>
+          <a:xfrm>
+            <a:off x="3884613" y="8685213"/>
+            <a:ext cx="2971800" cy="457200"/>
+          </a:xfrm>
+          <a:prstGeom prst="rect">
+            <a:avLst/>
+          </a:prstGeom>
+        </p:spPr>
+        <p:txBody>
+          <a:bodyPr vert="horz" lIns="91440" tIns="45720" rIns="91440" bIns="45720" rtlCol="0" anchor="b"/>
+          <a:lstStyle>
+            <a:lvl1pPr algn="r">
+              <a:defRPr sz="1200"/>
+            </a:lvl1pPr>
+          </a:lstStyle>
+          <a:p>
+            <a:fld id="{5D6FE178-9CC6-4231-A275-4DE6909E79D5}" type="slidenum">
+              <a:rPr lang="en-US" smtClean="0"/>
+              <a:t>‹#›</a:t>
+            </a:fld>
+            <a:endParaRPr lang="en-US"/>
+          </a:p>
+        </p:txBody>
+      </p:sp>
+    </p:spTree>
+    <p:extLst>
+      <p:ext uri="{BB962C8B-B14F-4D97-AF65-F5344CB8AC3E}">
+        <p14:creationId xmlns:p14="http://schemas.microsoft.com/office/powerpoint/2010/main" val="773938431"/>
+      </p:ext>
+    </p:extLst>
+  </p:cSld>
+  <p:clrMap bg1="lt1" tx1="dk1" bg2="lt2" tx2="dk2" accent1="accent1" accent2="accent2" accent3="accent3" accent4="accent4" accent5="accent5" accent6="accent6" hlink="hlink" folHlink="folHlink"/>
+  <p:notesStyle>
+    <a:lvl1pPr marL="0" algn="l" defTabSz="914400" rtl="0" eaLnBrk="1" latinLnBrk="0" hangingPunct="1">
+      <a:defRPr sz="1200" kern="1200">
+        <a:solidFill>
+          <a:schemeClr val="tx1"/>
+        </a:solidFill>
+        <a:latin typeface="+mn-lt"/>
+        <a:ea typeface="+mn-ea"/>
+        <a:cs typeface="+mn-cs"/>
+      </a:defRPr>
+    </a:lvl1pPr>
+    <a:lvl2pPr marL="457200" algn="l" defTabSz="914400" rtl="0" eaLnBrk="1" latinLnBrk="0" hangingPunct="1">
+      <a:defRPr sz="1200" kern="1200">
+        <a:solidFill>
+          <a:schemeClr val="tx1"/>
+        </a:solidFill>
+        <a:latin typeface="+mn-lt"/>
+        <a:ea typeface="+mn-ea"/>
+        <a:cs typeface="+mn-cs"/>
+      </a:defRPr>
+    </a:lvl2pPr>
+    <a:lvl3pPr marL="914400" algn="l" defTabSz="914400" rtl="0" eaLnBrk="1" latinLnBrk="0" hangingPunct="1">
+      <a:defRPr sz="1200" kern="1200">
+        <a:solidFill>
+          <a:schemeClr val="tx1"/>
+        </a:solidFill>
+        <a:latin typeface="+mn-lt"/>
+        <a:ea typeface="+mn-ea"/>
+        <a:cs typeface="+mn-cs"/>
+      </a:defRPr>
+    </a:lvl3pPr>
+    <a:lvl4pPr marL="1371600" algn="l" defTabSz="914400" rtl="0" eaLnBrk="1" latinLnBrk="0" hangingPunct="1">
+      <a:defRPr sz="1200" kern="1200">
+        <a:solidFill>
+          <a:schemeClr val="tx1"/>
+        </a:solidFill>
+        <a:latin typeface="+mn-lt"/>
+        <a:ea typeface="+mn-ea"/>
+        <a:cs typeface="+mn-cs"/>
+      </a:defRPr>
+    </a:lvl4pPr>
+    <a:lvl5pPr marL="1828800" algn="l" defTabSz="914400" rtl="0" eaLnBrk="1" latinLnBrk="0" hangingPunct="1">
+      <a:defRPr sz="1200" kern="1200">
+        <a:solidFill>
+          <a:schemeClr val="tx1"/>
+        </a:solidFill>
+        <a:latin typeface="+mn-lt"/>
+        <a:ea typeface="+mn-ea"/>
+        <a:cs typeface="+mn-cs"/>
+      </a:defRPr>
+    </a:lvl5pPr>
+    <a:lvl6pPr marL="2286000" algn="l" defTabSz="914400" rtl="0" eaLnBrk="1" latinLnBrk="0" hangingPunct="1">
+      <a:defRPr sz="1200" kern="1200">
+        <a:solidFill>
+          <a:schemeClr val="tx1"/>
+        </a:solidFill>
+        <a:latin typeface="+mn-lt"/>
+        <a:ea typeface="+mn-ea"/>
+        <a:cs typeface="+mn-cs"/>
+      </a:defRPr>
+    </a:lvl6pPr>
+    <a:lvl7pPr marL="2743200" algn="l" defTabSz="914400" rtl="0" eaLnBrk="1" latinLnBrk="0" hangingPunct="1">
+      <a:defRPr sz="1200" kern="1200">
+        <a:solidFill>
+          <a:schemeClr val="tx1"/>
+        </a:solidFill>
+        <a:latin typeface="+mn-lt"/>
+        <a:ea typeface="+mn-ea"/>
+        <a:cs typeface="+mn-cs"/>
+      </a:defRPr>
+    </a:lvl7pPr>
+    <a:lvl8pPr marL="3200400" algn="l" defTabSz="914400" rtl="0" eaLnBrk="1" latinLnBrk="0" hangingPunct="1">
+      <a:defRPr sz="1200" kern="1200">
+        <a:solidFill>
+          <a:schemeClr val="tx1"/>
+        </a:solidFill>
+        <a:latin typeface="+mn-lt"/>
+        <a:ea typeface="+mn-ea"/>
+        <a:cs typeface="+mn-cs"/>
+      </a:defRPr>
+    </a:lvl8pPr>
+    <a:lvl9pPr marL="3657600" algn="l" defTabSz="914400" rtl="0" eaLnBrk="1" latinLnBrk="0" hangingPunct="1">
+      <a:defRPr sz="1200" kern="1200">
+        <a:solidFill>
+          <a:schemeClr val="tx1"/>
+        </a:solidFill>
+        <a:latin typeface="+mn-lt"/>
+        <a:ea typeface="+mn-ea"/>
+        <a:cs typeface="+mn-cs"/>
+      </a:defRPr>
+    </a:lvl9pPr>
+  </p:notesStyle>
+</p:notesMaster>
 </file>
 
 <file path=ppt/slideLayouts/slideLayout1.xml><?xml version="1.0" encoding="utf-8"?>
@@ -154,10 +524,9 @@
           <a:lstStyle/>
           <a:p>
             <a:r>
-              <a:rPr lang="en-US" smtClean="0"/>
+              <a:rPr lang="en-US"/>
               <a:t>Click to edit Master title style</a:t>
             </a:r>
-            <a:endParaRPr lang="en-US"/>
           </a:p>
         </p:txBody>
       </p:sp>
@@ -273,10 +642,9 @@
           </a:lstStyle>
           <a:p>
             <a:r>
-              <a:rPr lang="en-US" smtClean="0"/>
+              <a:rPr lang="en-US"/>
               <a:t>Click to edit Master subtitle style</a:t>
             </a:r>
-            <a:endParaRPr lang="en-US"/>
           </a:p>
         </p:txBody>
       </p:sp>
@@ -297,7 +665,7 @@
           <a:p>
             <a:fld id="{8EF86D84-1B58-4223-8B58-74CF27C2CD39}" type="datetimeFigureOut">
               <a:rPr lang="en-US" smtClean="0"/>
-              <a:t>3/20/2018</a:t>
+              <a:t>3/21/2018</a:t>
             </a:fld>
             <a:endParaRPr lang="en-US"/>
           </a:p>
@@ -391,10 +759,9 @@
           <a:lstStyle/>
           <a:p>
             <a:r>
-              <a:rPr lang="en-US" smtClean="0"/>
+              <a:rPr lang="en-US"/>
               <a:t>Click to edit Master title style</a:t>
             </a:r>
-            <a:endParaRPr lang="en-US"/>
           </a:p>
         </p:txBody>
       </p:sp>
@@ -415,38 +782,37 @@
           <a:p>
             <a:pPr lvl="0"/>
             <a:r>
-              <a:rPr lang="en-US" smtClean="0"/>
+              <a:rPr lang="en-US"/>
               <a:t>Click to edit Master text styles</a:t>
             </a:r>
           </a:p>
           <a:p>
             <a:pPr lvl="1"/>
             <a:r>
-              <a:rPr lang="en-US" smtClean="0"/>
+              <a:rPr lang="en-US"/>
               <a:t>Second level</a:t>
             </a:r>
           </a:p>
           <a:p>
             <a:pPr lvl="2"/>
             <a:r>
-              <a:rPr lang="en-US" smtClean="0"/>
+              <a:rPr lang="en-US"/>
               <a:t>Third level</a:t>
             </a:r>
           </a:p>
           <a:p>
             <a:pPr lvl="3"/>
             <a:r>
-              <a:rPr lang="en-US" smtClean="0"/>
+              <a:rPr lang="en-US"/>
               <a:t>Fourth level</a:t>
             </a:r>
           </a:p>
           <a:p>
             <a:pPr lvl="4"/>
             <a:r>
-              <a:rPr lang="en-US" smtClean="0"/>
+              <a:rPr lang="en-US"/>
               <a:t>Fifth level</a:t>
             </a:r>
-            <a:endParaRPr lang="en-US"/>
           </a:p>
         </p:txBody>
       </p:sp>
@@ -467,7 +833,7 @@
           <a:p>
             <a:fld id="{8EF86D84-1B58-4223-8B58-74CF27C2CD39}" type="datetimeFigureOut">
               <a:rPr lang="en-US" smtClean="0"/>
-              <a:t>3/20/2018</a:t>
+              <a:t>3/21/2018</a:t>
             </a:fld>
             <a:endParaRPr lang="en-US"/>
           </a:p>
@@ -566,10 +932,9 @@
           <a:lstStyle/>
           <a:p>
             <a:r>
-              <a:rPr lang="en-US" smtClean="0"/>
+              <a:rPr lang="en-US"/>
               <a:t>Click to edit Master title style</a:t>
             </a:r>
-            <a:endParaRPr lang="en-US"/>
           </a:p>
         </p:txBody>
       </p:sp>
@@ -595,38 +960,37 @@
           <a:p>
             <a:pPr lvl="0"/>
             <a:r>
-              <a:rPr lang="en-US" smtClean="0"/>
+              <a:rPr lang="en-US"/>
               <a:t>Click to edit Master text styles</a:t>
             </a:r>
           </a:p>
           <a:p>
             <a:pPr lvl="1"/>
             <a:r>
-              <a:rPr lang="en-US" smtClean="0"/>
+              <a:rPr lang="en-US"/>
               <a:t>Second level</a:t>
             </a:r>
           </a:p>
           <a:p>
             <a:pPr lvl="2"/>
             <a:r>
-              <a:rPr lang="en-US" smtClean="0"/>
+              <a:rPr lang="en-US"/>
               <a:t>Third level</a:t>
             </a:r>
           </a:p>
           <a:p>
             <a:pPr lvl="3"/>
             <a:r>
-              <a:rPr lang="en-US" smtClean="0"/>
+              <a:rPr lang="en-US"/>
               <a:t>Fourth level</a:t>
             </a:r>
           </a:p>
           <a:p>
             <a:pPr lvl="4"/>
             <a:r>
-              <a:rPr lang="en-US" smtClean="0"/>
+              <a:rPr lang="en-US"/>
               <a:t>Fifth level</a:t>
             </a:r>
-            <a:endParaRPr lang="en-US"/>
           </a:p>
         </p:txBody>
       </p:sp>
@@ -647,7 +1011,7 @@
           <a:p>
             <a:fld id="{8EF86D84-1B58-4223-8B58-74CF27C2CD39}" type="datetimeFigureOut">
               <a:rPr lang="en-US" smtClean="0"/>
-              <a:t>3/20/2018</a:t>
+              <a:t>3/21/2018</a:t>
             </a:fld>
             <a:endParaRPr lang="en-US"/>
           </a:p>
@@ -741,10 +1105,9 @@
           <a:lstStyle/>
           <a:p>
             <a:r>
-              <a:rPr lang="en-US" smtClean="0"/>
+              <a:rPr lang="en-US"/>
               <a:t>Click to edit Master title style</a:t>
             </a:r>
-            <a:endParaRPr lang="en-US"/>
           </a:p>
         </p:txBody>
       </p:sp>
@@ -765,38 +1128,37 @@
           <a:p>
             <a:pPr lvl="0"/>
             <a:r>
-              <a:rPr lang="en-US" smtClean="0"/>
+              <a:rPr lang="en-US"/>
               <a:t>Click to edit Master text styles</a:t>
             </a:r>
           </a:p>
           <a:p>
             <a:pPr lvl="1"/>
             <a:r>
-              <a:rPr lang="en-US" smtClean="0"/>
+              <a:rPr lang="en-US"/>
               <a:t>Second level</a:t>
             </a:r>
           </a:p>
           <a:p>
             <a:pPr lvl="2"/>
             <a:r>
-              <a:rPr lang="en-US" smtClean="0"/>
+              <a:rPr lang="en-US"/>
               <a:t>Third level</a:t>
             </a:r>
           </a:p>
           <a:p>
             <a:pPr lvl="3"/>
             <a:r>
-              <a:rPr lang="en-US" smtClean="0"/>
+              <a:rPr lang="en-US"/>
               <a:t>Fourth level</a:t>
             </a:r>
           </a:p>
           <a:p>
             <a:pPr lvl="4"/>
             <a:r>
-              <a:rPr lang="en-US" smtClean="0"/>
+              <a:rPr lang="en-US"/>
               <a:t>Fifth level</a:t>
             </a:r>
-            <a:endParaRPr lang="en-US"/>
           </a:p>
         </p:txBody>
       </p:sp>
@@ -817,7 +1179,7 @@
           <a:p>
             <a:fld id="{8EF86D84-1B58-4223-8B58-74CF27C2CD39}" type="datetimeFigureOut">
               <a:rPr lang="en-US" smtClean="0"/>
-              <a:t>3/20/2018</a:t>
+              <a:t>3/21/2018</a:t>
             </a:fld>
             <a:endParaRPr lang="en-US"/>
           </a:p>
@@ -920,10 +1282,9 @@
           </a:lstStyle>
           <a:p>
             <a:r>
-              <a:rPr lang="en-US" smtClean="0"/>
+              <a:rPr lang="en-US"/>
               <a:t>Click to edit Master title style</a:t>
             </a:r>
-            <a:endParaRPr lang="en-US"/>
           </a:p>
         </p:txBody>
       </p:sp>
@@ -1040,7 +1401,7 @@
           <a:p>
             <a:pPr lvl="0"/>
             <a:r>
-              <a:rPr lang="en-US" smtClean="0"/>
+              <a:rPr lang="en-US"/>
               <a:t>Click to edit Master text styles</a:t>
             </a:r>
           </a:p>
@@ -1063,7 +1424,7 @@
           <a:p>
             <a:fld id="{8EF86D84-1B58-4223-8B58-74CF27C2CD39}" type="datetimeFigureOut">
               <a:rPr lang="en-US" smtClean="0"/>
-              <a:t>3/20/2018</a:t>
+              <a:t>3/21/2018</a:t>
             </a:fld>
             <a:endParaRPr lang="en-US"/>
           </a:p>
@@ -1157,10 +1518,9 @@
           <a:lstStyle/>
           <a:p>
             <a:r>
-              <a:rPr lang="en-US" smtClean="0"/>
+              <a:rPr lang="en-US"/>
               <a:t>Click to edit Master title style</a:t>
             </a:r>
-            <a:endParaRPr lang="en-US"/>
           </a:p>
         </p:txBody>
       </p:sp>
@@ -1214,38 +1574,37 @@
           <a:p>
             <a:pPr lvl="0"/>
             <a:r>
-              <a:rPr lang="en-US" smtClean="0"/>
+              <a:rPr lang="en-US"/>
               <a:t>Click to edit Master text styles</a:t>
             </a:r>
           </a:p>
           <a:p>
             <a:pPr lvl="1"/>
             <a:r>
-              <a:rPr lang="en-US" smtClean="0"/>
+              <a:rPr lang="en-US"/>
               <a:t>Second level</a:t>
             </a:r>
           </a:p>
           <a:p>
             <a:pPr lvl="2"/>
             <a:r>
-              <a:rPr lang="en-US" smtClean="0"/>
+              <a:rPr lang="en-US"/>
               <a:t>Third level</a:t>
             </a:r>
           </a:p>
           <a:p>
             <a:pPr lvl="3"/>
             <a:r>
-              <a:rPr lang="en-US" smtClean="0"/>
+              <a:rPr lang="en-US"/>
               <a:t>Fourth level</a:t>
             </a:r>
           </a:p>
           <a:p>
             <a:pPr lvl="4"/>
             <a:r>
-              <a:rPr lang="en-US" smtClean="0"/>
+              <a:rPr lang="en-US"/>
               <a:t>Fifth level</a:t>
             </a:r>
-            <a:endParaRPr lang="en-US"/>
           </a:p>
         </p:txBody>
       </p:sp>
@@ -1299,38 +1658,37 @@
           <a:p>
             <a:pPr lvl="0"/>
             <a:r>
-              <a:rPr lang="en-US" smtClean="0"/>
+              <a:rPr lang="en-US"/>
               <a:t>Click to edit Master text styles</a:t>
             </a:r>
           </a:p>
           <a:p>
             <a:pPr lvl="1"/>
             <a:r>
-              <a:rPr lang="en-US" smtClean="0"/>
+              <a:rPr lang="en-US"/>
               <a:t>Second level</a:t>
             </a:r>
           </a:p>
           <a:p>
             <a:pPr lvl="2"/>
             <a:r>
-              <a:rPr lang="en-US" smtClean="0"/>
+              <a:rPr lang="en-US"/>
               <a:t>Third level</a:t>
             </a:r>
           </a:p>
           <a:p>
             <a:pPr lvl="3"/>
             <a:r>
-              <a:rPr lang="en-US" smtClean="0"/>
+              <a:rPr lang="en-US"/>
               <a:t>Fourth level</a:t>
             </a:r>
           </a:p>
           <a:p>
             <a:pPr lvl="4"/>
             <a:r>
-              <a:rPr lang="en-US" smtClean="0"/>
+              <a:rPr lang="en-US"/>
               <a:t>Fifth level</a:t>
             </a:r>
-            <a:endParaRPr lang="en-US"/>
           </a:p>
         </p:txBody>
       </p:sp>
@@ -1351,7 +1709,7 @@
           <a:p>
             <a:fld id="{8EF86D84-1B58-4223-8B58-74CF27C2CD39}" type="datetimeFigureOut">
               <a:rPr lang="en-US" smtClean="0"/>
-              <a:t>3/20/2018</a:t>
+              <a:t>3/21/2018</a:t>
             </a:fld>
             <a:endParaRPr lang="en-US"/>
           </a:p>
@@ -1449,10 +1807,9 @@
           </a:lstStyle>
           <a:p>
             <a:r>
-              <a:rPr lang="en-US" smtClean="0"/>
+              <a:rPr lang="en-US"/>
               <a:t>Click to edit Master title style</a:t>
             </a:r>
-            <a:endParaRPr lang="en-US"/>
           </a:p>
         </p:txBody>
       </p:sp>
@@ -1515,7 +1872,7 @@
           <a:p>
             <a:pPr lvl="0"/>
             <a:r>
-              <a:rPr lang="en-US" smtClean="0"/>
+              <a:rPr lang="en-US"/>
               <a:t>Click to edit Master text styles</a:t>
             </a:r>
           </a:p>
@@ -1571,38 +1928,37 @@
           <a:p>
             <a:pPr lvl="0"/>
             <a:r>
-              <a:rPr lang="en-US" smtClean="0"/>
+              <a:rPr lang="en-US"/>
               <a:t>Click to edit Master text styles</a:t>
             </a:r>
           </a:p>
           <a:p>
             <a:pPr lvl="1"/>
             <a:r>
-              <a:rPr lang="en-US" smtClean="0"/>
+              <a:rPr lang="en-US"/>
               <a:t>Second level</a:t>
             </a:r>
           </a:p>
           <a:p>
             <a:pPr lvl="2"/>
             <a:r>
-              <a:rPr lang="en-US" smtClean="0"/>
+              <a:rPr lang="en-US"/>
               <a:t>Third level</a:t>
             </a:r>
           </a:p>
           <a:p>
             <a:pPr lvl="3"/>
             <a:r>
-              <a:rPr lang="en-US" smtClean="0"/>
+              <a:rPr lang="en-US"/>
               <a:t>Fourth level</a:t>
             </a:r>
           </a:p>
           <a:p>
             <a:pPr lvl="4"/>
             <a:r>
-              <a:rPr lang="en-US" smtClean="0"/>
+              <a:rPr lang="en-US"/>
               <a:t>Fifth level</a:t>
             </a:r>
-            <a:endParaRPr lang="en-US"/>
           </a:p>
         </p:txBody>
       </p:sp>
@@ -1665,7 +2021,7 @@
           <a:p>
             <a:pPr lvl="0"/>
             <a:r>
-              <a:rPr lang="en-US" smtClean="0"/>
+              <a:rPr lang="en-US"/>
               <a:t>Click to edit Master text styles</a:t>
             </a:r>
           </a:p>
@@ -1721,38 +2077,37 @@
           <a:p>
             <a:pPr lvl="0"/>
             <a:r>
-              <a:rPr lang="en-US" smtClean="0"/>
+              <a:rPr lang="en-US"/>
               <a:t>Click to edit Master text styles</a:t>
             </a:r>
           </a:p>
           <a:p>
             <a:pPr lvl="1"/>
             <a:r>
-              <a:rPr lang="en-US" smtClean="0"/>
+              <a:rPr lang="en-US"/>
               <a:t>Second level</a:t>
             </a:r>
           </a:p>
           <a:p>
             <a:pPr lvl="2"/>
             <a:r>
-              <a:rPr lang="en-US" smtClean="0"/>
+              <a:rPr lang="en-US"/>
               <a:t>Third level</a:t>
             </a:r>
           </a:p>
           <a:p>
             <a:pPr lvl="3"/>
             <a:r>
-              <a:rPr lang="en-US" smtClean="0"/>
+              <a:rPr lang="en-US"/>
               <a:t>Fourth level</a:t>
             </a:r>
           </a:p>
           <a:p>
             <a:pPr lvl="4"/>
             <a:r>
-              <a:rPr lang="en-US" smtClean="0"/>
+              <a:rPr lang="en-US"/>
               <a:t>Fifth level</a:t>
             </a:r>
-            <a:endParaRPr lang="en-US"/>
           </a:p>
         </p:txBody>
       </p:sp>
@@ -1773,7 +2128,7 @@
           <a:p>
             <a:fld id="{8EF86D84-1B58-4223-8B58-74CF27C2CD39}" type="datetimeFigureOut">
               <a:rPr lang="en-US" smtClean="0"/>
-              <a:t>3/20/2018</a:t>
+              <a:t>3/21/2018</a:t>
             </a:fld>
             <a:endParaRPr lang="en-US"/>
           </a:p>
@@ -1867,10 +2222,9 @@
           <a:lstStyle/>
           <a:p>
             <a:r>
-              <a:rPr lang="en-US" smtClean="0"/>
+              <a:rPr lang="en-US"/>
               <a:t>Click to edit Master title style</a:t>
             </a:r>
-            <a:endParaRPr lang="en-US"/>
           </a:p>
         </p:txBody>
       </p:sp>
@@ -1891,7 +2245,7 @@
           <a:p>
             <a:fld id="{8EF86D84-1B58-4223-8B58-74CF27C2CD39}" type="datetimeFigureOut">
               <a:rPr lang="en-US" smtClean="0"/>
-              <a:t>3/20/2018</a:t>
+              <a:t>3/21/2018</a:t>
             </a:fld>
             <a:endParaRPr lang="en-US"/>
           </a:p>
@@ -1986,7 +2340,7 @@
           <a:p>
             <a:fld id="{8EF86D84-1B58-4223-8B58-74CF27C2CD39}" type="datetimeFigureOut">
               <a:rPr lang="en-US" smtClean="0"/>
-              <a:t>3/20/2018</a:t>
+              <a:t>3/21/2018</a:t>
             </a:fld>
             <a:endParaRPr lang="en-US"/>
           </a:p>
@@ -2089,10 +2443,9 @@
           </a:lstStyle>
           <a:p>
             <a:r>
-              <a:rPr lang="en-US" smtClean="0"/>
+              <a:rPr lang="en-US"/>
               <a:t>Click to edit Master title style</a:t>
             </a:r>
-            <a:endParaRPr lang="en-US"/>
           </a:p>
         </p:txBody>
       </p:sp>
@@ -2146,38 +2499,37 @@
           <a:p>
             <a:pPr lvl="0"/>
             <a:r>
-              <a:rPr lang="en-US" smtClean="0"/>
+              <a:rPr lang="en-US"/>
               <a:t>Click to edit Master text styles</a:t>
             </a:r>
           </a:p>
           <a:p>
             <a:pPr lvl="1"/>
             <a:r>
-              <a:rPr lang="en-US" smtClean="0"/>
+              <a:rPr lang="en-US"/>
               <a:t>Second level</a:t>
             </a:r>
           </a:p>
           <a:p>
             <a:pPr lvl="2"/>
             <a:r>
-              <a:rPr lang="en-US" smtClean="0"/>
+              <a:rPr lang="en-US"/>
               <a:t>Third level</a:t>
             </a:r>
           </a:p>
           <a:p>
             <a:pPr lvl="3"/>
             <a:r>
-              <a:rPr lang="en-US" smtClean="0"/>
+              <a:rPr lang="en-US"/>
               <a:t>Fourth level</a:t>
             </a:r>
           </a:p>
           <a:p>
             <a:pPr lvl="4"/>
             <a:r>
-              <a:rPr lang="en-US" smtClean="0"/>
+              <a:rPr lang="en-US"/>
               <a:t>Fifth level</a:t>
             </a:r>
-            <a:endParaRPr lang="en-US"/>
           </a:p>
         </p:txBody>
       </p:sp>
@@ -2240,7 +2592,7 @@
           <a:p>
             <a:pPr lvl="0"/>
             <a:r>
-              <a:rPr lang="en-US" smtClean="0"/>
+              <a:rPr lang="en-US"/>
               <a:t>Click to edit Master text styles</a:t>
             </a:r>
           </a:p>
@@ -2263,7 +2615,7 @@
           <a:p>
             <a:fld id="{8EF86D84-1B58-4223-8B58-74CF27C2CD39}" type="datetimeFigureOut">
               <a:rPr lang="en-US" smtClean="0"/>
-              <a:t>3/20/2018</a:t>
+              <a:t>3/21/2018</a:t>
             </a:fld>
             <a:endParaRPr lang="en-US"/>
           </a:p>
@@ -2366,10 +2718,9 @@
           </a:lstStyle>
           <a:p>
             <a:r>
-              <a:rPr lang="en-US" smtClean="0"/>
+              <a:rPr lang="en-US"/>
               <a:t>Click to edit Master title style</a:t>
             </a:r>
-            <a:endParaRPr lang="en-US"/>
           </a:p>
         </p:txBody>
       </p:sp>
@@ -2493,7 +2844,7 @@
           <a:p>
             <a:pPr lvl="0"/>
             <a:r>
-              <a:rPr lang="en-US" smtClean="0"/>
+              <a:rPr lang="en-US"/>
               <a:t>Click to edit Master text styles</a:t>
             </a:r>
           </a:p>
@@ -2516,7 +2867,7 @@
           <a:p>
             <a:fld id="{8EF86D84-1B58-4223-8B58-74CF27C2CD39}" type="datetimeFigureOut">
               <a:rPr lang="en-US" smtClean="0"/>
-              <a:t>3/20/2018</a:t>
+              <a:t>3/21/2018</a:t>
             </a:fld>
             <a:endParaRPr lang="en-US"/>
           </a:p>
@@ -2625,10 +2976,9 @@
           <a:lstStyle/>
           <a:p>
             <a:r>
-              <a:rPr lang="en-US" smtClean="0"/>
+              <a:rPr lang="en-US"/>
               <a:t>Click to edit Master title style</a:t>
             </a:r>
-            <a:endParaRPr lang="en-US"/>
           </a:p>
         </p:txBody>
       </p:sp>
@@ -2659,38 +3009,37 @@
           <a:p>
             <a:pPr lvl="0"/>
             <a:r>
-              <a:rPr lang="en-US" smtClean="0"/>
+              <a:rPr lang="en-US"/>
               <a:t>Click to edit Master text styles</a:t>
             </a:r>
           </a:p>
           <a:p>
             <a:pPr lvl="1"/>
             <a:r>
-              <a:rPr lang="en-US" smtClean="0"/>
+              <a:rPr lang="en-US"/>
               <a:t>Second level</a:t>
             </a:r>
           </a:p>
           <a:p>
             <a:pPr lvl="2"/>
             <a:r>
-              <a:rPr lang="en-US" smtClean="0"/>
+              <a:rPr lang="en-US"/>
               <a:t>Third level</a:t>
             </a:r>
           </a:p>
           <a:p>
             <a:pPr lvl="3"/>
             <a:r>
-              <a:rPr lang="en-US" smtClean="0"/>
+              <a:rPr lang="en-US"/>
               <a:t>Fourth level</a:t>
             </a:r>
           </a:p>
           <a:p>
             <a:pPr lvl="4"/>
             <a:r>
-              <a:rPr lang="en-US" smtClean="0"/>
+              <a:rPr lang="en-US"/>
               <a:t>Fifth level</a:t>
             </a:r>
-            <a:endParaRPr lang="en-US"/>
           </a:p>
         </p:txBody>
       </p:sp>
@@ -2729,7 +3078,7 @@
           <a:p>
             <a:fld id="{8EF86D84-1B58-4223-8B58-74CF27C2CD39}" type="datetimeFigureOut">
               <a:rPr lang="en-US" smtClean="0"/>
-              <a:t>3/20/2018</a:t>
+              <a:t>3/21/2018</a:t>
             </a:fld>
             <a:endParaRPr lang="en-US"/>
           </a:p>
@@ -3127,7 +3476,7 @@
         </p:blipFill>
         <p:spPr bwMode="auto">
           <a:xfrm>
-            <a:off x="0" y="0"/>
+            <a:off x="-1" y="0"/>
             <a:ext cx="9144001" cy="6858000"/>
           </a:xfrm>
           <a:prstGeom prst="rect">
@@ -3185,7 +3534,7 @@
           <a:p>
             <a:pPr algn="ctr"/>
             <a:r>
-              <a:rPr lang="en-US" sz="5400" b="1" cap="all" spc="0" dirty="0" smtClean="0">
+              <a:rPr lang="en-US" sz="5400" b="1" cap="all" spc="0" dirty="0">
                 <a:ln w="0"/>
                 <a:gradFill flip="none">
                   <a:gsLst>
@@ -3235,54 +3584,6 @@
               </a:rPr>
               <a:t>CASE STUDY</a:t>
             </a:r>
-            <a:endParaRPr lang="en-US" sz="5400" b="1" cap="all" spc="0" dirty="0">
-              <a:ln w="0"/>
-              <a:gradFill flip="none">
-                <a:gsLst>
-                  <a:gs pos="0">
-                    <a:schemeClr val="accent1">
-                      <a:tint val="75000"/>
-                      <a:shade val="75000"/>
-                      <a:satMod val="170000"/>
-                    </a:schemeClr>
-                  </a:gs>
-                  <a:gs pos="49000">
-                    <a:schemeClr val="accent1">
-                      <a:tint val="88000"/>
-                      <a:shade val="65000"/>
-                      <a:satMod val="172000"/>
-                    </a:schemeClr>
-                  </a:gs>
-                  <a:gs pos="50000">
-                    <a:schemeClr val="accent1">
-                      <a:shade val="65000"/>
-                      <a:satMod val="130000"/>
-                    </a:schemeClr>
-                  </a:gs>
-                  <a:gs pos="92000">
-                    <a:schemeClr val="accent1">
-                      <a:shade val="50000"/>
-                      <a:satMod val="120000"/>
-                    </a:schemeClr>
-                  </a:gs>
-                  <a:gs pos="100000">
-                    <a:schemeClr val="accent1">
-                      <a:shade val="48000"/>
-                      <a:satMod val="120000"/>
-                    </a:schemeClr>
-                  </a:gs>
-                </a:gsLst>
-                <a:lin ang="5400000"/>
-              </a:gradFill>
-              <a:effectLst>
-                <a:outerShdw blurRad="38100" dist="38100" dir="2700000" algn="tl">
-                  <a:srgbClr val="000000">
-                    <a:alpha val="43137"/>
-                  </a:srgbClr>
-                </a:outerShdw>
-                <a:reflection blurRad="12700" stA="50000" endPos="50000" dist="5000" dir="5400000" sy="-100000" rotWithShape="0"/>
-              </a:effectLst>
-            </a:endParaRPr>
           </a:p>
         </p:txBody>
       </p:sp>
@@ -3324,7 +3625,7 @@
           <a:p>
             <a:pPr algn="ctr"/>
             <a:r>
-              <a:rPr lang="en-US" sz="5400" b="1" cap="none" spc="50" dirty="0" smtClean="0">
+              <a:rPr lang="en-US" sz="5400" b="1" cap="none" spc="50" dirty="0">
                 <a:ln w="11430"/>
                 <a:gradFill>
                   <a:gsLst>
@@ -3352,32 +3653,6 @@
               </a:rPr>
               <a:t>VOLKSWAGEN POLLUTION</a:t>
             </a:r>
-            <a:endParaRPr lang="en-US" sz="5400" b="1" cap="none" spc="50" dirty="0">
-              <a:ln w="11430"/>
-              <a:gradFill>
-                <a:gsLst>
-                  <a:gs pos="25000">
-                    <a:schemeClr val="accent2">
-                      <a:satMod val="155000"/>
-                    </a:schemeClr>
-                  </a:gs>
-                  <a:gs pos="100000">
-                    <a:schemeClr val="accent2">
-                      <a:shade val="45000"/>
-                      <a:satMod val="165000"/>
-                    </a:schemeClr>
-                  </a:gs>
-                </a:gsLst>
-                <a:lin ang="5400000"/>
-              </a:gradFill>
-              <a:effectLst>
-                <a:outerShdw blurRad="76200" dist="50800" dir="5400000" algn="tl" rotWithShape="0">
-                  <a:srgbClr val="000000">
-                    <a:alpha val="65000"/>
-                  </a:srgbClr>
-                </a:outerShdw>
-              </a:effectLst>
-            </a:endParaRPr>
           </a:p>
         </p:txBody>
       </p:sp>
@@ -3405,7 +3680,7 @@
           <a:p>
             <a:pPr algn="ctr"/>
             <a:r>
-              <a:rPr lang="en-US" sz="5400" b="1" cap="none" spc="0" dirty="0" smtClean="0">
+              <a:rPr lang="en-US" sz="5400" b="1" cap="none" spc="0" dirty="0">
                 <a:ln w="17780" cmpd="sng">
                   <a:solidFill>
                     <a:srgbClr val="FFFFFF"/>
@@ -3463,7 +3738,7 @@
           <a:p>
             <a:pPr algn="ctr"/>
             <a:r>
-              <a:rPr lang="en-US" sz="5400" b="1" dirty="0" smtClean="0">
+              <a:rPr lang="en-US" sz="5400" b="1" dirty="0">
                 <a:ln w="17780" cmpd="sng">
                   <a:solidFill>
                     <a:srgbClr val="FFFFFF"/>
@@ -3521,7 +3796,7 @@
           <a:p>
             <a:pPr algn="ctr"/>
             <a:r>
-              <a:rPr lang="en-US" sz="5400" b="1" dirty="0" smtClean="0">
+              <a:rPr lang="en-US" sz="5400" b="1" dirty="0">
                 <a:ln w="17780" cmpd="sng">
                   <a:solidFill>
                     <a:srgbClr val="FFFFFF"/>
@@ -3575,58 +3850,6 @@
               </a:rPr>
               <a:t>AGENT AJINKYA</a:t>
             </a:r>
-            <a:endParaRPr lang="en-US" sz="5400" b="1" dirty="0">
-              <a:ln w="17780" cmpd="sng">
-                <a:solidFill>
-                  <a:srgbClr val="FFFFFF"/>
-                </a:solidFill>
-                <a:prstDash val="solid"/>
-                <a:miter lim="800000"/>
-              </a:ln>
-              <a:gradFill rotWithShape="1">
-                <a:gsLst>
-                  <a:gs pos="0">
-                    <a:srgbClr val="000000">
-                      <a:tint val="92000"/>
-                      <a:shade val="100000"/>
-                      <a:satMod val="150000"/>
-                    </a:srgbClr>
-                  </a:gs>
-                  <a:gs pos="49000">
-                    <a:srgbClr val="000000">
-                      <a:tint val="89000"/>
-                      <a:shade val="90000"/>
-                      <a:satMod val="150000"/>
-                    </a:srgbClr>
-                  </a:gs>
-                  <a:gs pos="50000">
-                    <a:srgbClr val="000000">
-                      <a:tint val="100000"/>
-                      <a:shade val="75000"/>
-                      <a:satMod val="150000"/>
-                    </a:srgbClr>
-                  </a:gs>
-                  <a:gs pos="95000">
-                    <a:srgbClr val="000000">
-                      <a:shade val="47000"/>
-                      <a:satMod val="150000"/>
-                    </a:srgbClr>
-                  </a:gs>
-                  <a:gs pos="100000">
-                    <a:srgbClr val="000000">
-                      <a:shade val="39000"/>
-                      <a:satMod val="150000"/>
-                    </a:srgbClr>
-                  </a:gs>
-                </a:gsLst>
-                <a:lin ang="5400000"/>
-              </a:gradFill>
-              <a:effectLst>
-                <a:outerShdw blurRad="50800" algn="tl" rotWithShape="0">
-                  <a:srgbClr val="000000"/>
-                </a:outerShdw>
-              </a:effectLst>
-            </a:endParaRPr>
           </a:p>
         </p:txBody>
       </p:sp>
@@ -3668,7 +3891,7 @@
           <a:p>
             <a:pPr algn="ctr"/>
             <a:r>
-              <a:rPr lang="en-US" sz="5400" b="1" cap="none" spc="50" dirty="0" smtClean="0">
+              <a:rPr lang="en-US" sz="5400" b="1" cap="none" spc="50" dirty="0">
                 <a:ln w="11430"/>
                 <a:gradFill>
                   <a:gsLst>
@@ -3696,32 +3919,6 @@
               </a:rPr>
               <a:t>SCANDAL</a:t>
             </a:r>
-            <a:endParaRPr lang="en-US" sz="5400" b="1" cap="none" spc="50" dirty="0">
-              <a:ln w="11430"/>
-              <a:gradFill>
-                <a:gsLst>
-                  <a:gs pos="25000">
-                    <a:schemeClr val="accent2">
-                      <a:satMod val="155000"/>
-                    </a:schemeClr>
-                  </a:gs>
-                  <a:gs pos="100000">
-                    <a:schemeClr val="accent2">
-                      <a:shade val="45000"/>
-                      <a:satMod val="165000"/>
-                    </a:schemeClr>
-                  </a:gs>
-                </a:gsLst>
-                <a:lin ang="5400000"/>
-              </a:gradFill>
-              <a:effectLst>
-                <a:outerShdw blurRad="76200" dist="50800" dir="5400000" algn="tl" rotWithShape="0">
-                  <a:srgbClr val="000000">
-                    <a:alpha val="65000"/>
-                  </a:srgbClr>
-                </a:outerShdw>
-              </a:effectLst>
-            </a:endParaRPr>
           </a:p>
         </p:txBody>
       </p:sp>
@@ -3735,17 +3932,429 @@
   <p:clrMapOvr>
     <a:masterClrMapping/>
   </p:clrMapOvr>
-  <p:timing>
-    <p:tnLst>
-      <p:par>
-        <p:cTn id="1" dur="indefinite" restart="never" nodeType="tmRoot"/>
-      </p:par>
-    </p:tnLst>
-  </p:timing>
 </p:sld>
 </file>
 
 <file path=ppt/slides/slide10.xml><?xml version="1.0" encoding="utf-8"?>
+<p:sld xmlns:a="http://schemas.openxmlformats.org/drawingml/2006/main" xmlns:r="http://schemas.openxmlformats.org/officeDocument/2006/relationships" xmlns:p="http://schemas.openxmlformats.org/presentationml/2006/main">
+  <p:cSld>
+    <p:spTree>
+      <p:nvGrpSpPr>
+        <p:cNvPr id="1" name=""/>
+        <p:cNvGrpSpPr/>
+        <p:nvPr/>
+      </p:nvGrpSpPr>
+      <p:grpSpPr>
+        <a:xfrm>
+          <a:off x="0" y="0"/>
+          <a:ext cx="0" cy="0"/>
+          <a:chOff x="0" y="0"/>
+          <a:chExt cx="0" cy="0"/>
+        </a:xfrm>
+      </p:grpSpPr>
+      <p:pic>
+        <p:nvPicPr>
+          <p:cNvPr id="4" name="Picture 2" descr="C:\Users\ajink\OneDrive\Desktop\Volkswagen-emissions-anniversary.jpg"/>
+          <p:cNvPicPr>
+            <a:picLocks noChangeAspect="1" noChangeArrowheads="1"/>
+          </p:cNvPicPr>
+          <p:nvPr/>
+        </p:nvPicPr>
+        <p:blipFill>
+          <a:blip r:embed="rId2">
+            <a:extLst>
+              <a:ext uri="{28A0092B-C50C-407E-A947-70E740481C1C}">
+                <a14:useLocalDpi xmlns:a14="http://schemas.microsoft.com/office/drawing/2010/main" val="0"/>
+              </a:ext>
+            </a:extLst>
+          </a:blip>
+          <a:srcRect/>
+          <a:stretch>
+            <a:fillRect/>
+          </a:stretch>
+        </p:blipFill>
+        <p:spPr bwMode="auto">
+          <a:xfrm>
+            <a:off x="0" y="0"/>
+            <a:ext cx="9144000" cy="6857999"/>
+          </a:xfrm>
+          <a:prstGeom prst="rect">
+            <a:avLst/>
+          </a:prstGeom>
+          <a:noFill/>
+          <a:extLst>
+            <a:ext uri="{909E8E84-426E-40DD-AFC4-6F175D3DCCD1}">
+              <a14:hiddenFill xmlns:a14="http://schemas.microsoft.com/office/drawing/2010/main">
+                <a:solidFill>
+                  <a:srgbClr val="FFFFFF"/>
+                </a:solidFill>
+              </a14:hiddenFill>
+            </a:ext>
+          </a:extLst>
+        </p:spPr>
+      </p:pic>
+      <p:sp>
+        <p:nvSpPr>
+          <p:cNvPr id="2" name="Title 1"/>
+          <p:cNvSpPr>
+            <a:spLocks noGrp="1"/>
+          </p:cNvSpPr>
+          <p:nvPr>
+            <p:ph type="ctrTitle"/>
+          </p:nvPr>
+        </p:nvSpPr>
+        <p:spPr>
+          <a:xfrm>
+            <a:off x="0" y="0"/>
+            <a:ext cx="9144000" cy="1470025"/>
+          </a:xfrm>
+        </p:spPr>
+        <p:txBody>
+          <a:bodyPr/>
+          <a:lstStyle/>
+          <a:p>
+            <a:r>
+              <a:rPr lang="en-US" dirty="0">
+                <a:solidFill>
+                  <a:schemeClr val="bg1"/>
+                </a:solidFill>
+                <a:latin typeface="Algerian" panose="04020705040A02060702" pitchFamily="82" charset="0"/>
+              </a:rPr>
+              <a:t>Future plans for </a:t>
+            </a:r>
+            <a:r>
+              <a:rPr lang="en-US" dirty="0" err="1">
+                <a:solidFill>
+                  <a:schemeClr val="bg1"/>
+                </a:solidFill>
+                <a:latin typeface="Algerian" panose="04020705040A02060702" pitchFamily="82" charset="0"/>
+              </a:rPr>
+              <a:t>volkswagen</a:t>
+            </a:r>
+            <a:endParaRPr lang="en-US" dirty="0">
+              <a:solidFill>
+                <a:schemeClr val="bg1"/>
+              </a:solidFill>
+              <a:latin typeface="Algerian" panose="04020705040A02060702" pitchFamily="82" charset="0"/>
+            </a:endParaRPr>
+          </a:p>
+        </p:txBody>
+      </p:sp>
+      <p:sp>
+        <p:nvSpPr>
+          <p:cNvPr id="3" name="Subtitle 2"/>
+          <p:cNvSpPr>
+            <a:spLocks noGrp="1"/>
+          </p:cNvSpPr>
+          <p:nvPr>
+            <p:ph type="subTitle" idx="1"/>
+          </p:nvPr>
+        </p:nvSpPr>
+        <p:spPr>
+          <a:xfrm>
+            <a:off x="0" y="1447800"/>
+            <a:ext cx="9144000" cy="5410200"/>
+          </a:xfrm>
+        </p:spPr>
+        <p:txBody>
+          <a:bodyPr/>
+          <a:lstStyle/>
+          <a:p>
+            <a:pPr algn="just"/>
+            <a:r>
+              <a:rPr lang="en-US" dirty="0">
+                <a:solidFill>
+                  <a:schemeClr val="tx1"/>
+                </a:solidFill>
+                <a:latin typeface="Times New Roman" panose="02020603050405020304" pitchFamily="18" charset="0"/>
+                <a:cs typeface="Times New Roman" panose="02020603050405020304" pitchFamily="18" charset="0"/>
+              </a:rPr>
+              <a:t>"My most urgent task is to win back trust for the Volkswagen Group - by leaving no stone unturned,”</a:t>
+            </a:r>
+          </a:p>
+          <a:p>
+            <a:pPr algn="just"/>
+            <a:r>
+              <a:rPr lang="en-US" dirty="0">
+                <a:solidFill>
+                  <a:schemeClr val="tx1"/>
+                </a:solidFill>
+                <a:latin typeface="Times New Roman" panose="02020603050405020304" pitchFamily="18" charset="0"/>
+                <a:cs typeface="Times New Roman" panose="02020603050405020304" pitchFamily="18" charset="0"/>
+              </a:rPr>
+              <a:t>      - Mr. Matthias Muller(new CEO of Volkswagen)</a:t>
+            </a:r>
+          </a:p>
+          <a:p>
+            <a:pPr marL="514350" indent="-514350" algn="just">
+              <a:buFont typeface="Arial" panose="020B0604020202020204" pitchFamily="34" charset="0"/>
+              <a:buChar char="•"/>
+            </a:pPr>
+            <a:r>
+              <a:rPr lang="en-US" dirty="0">
+                <a:solidFill>
+                  <a:schemeClr val="tx1"/>
+                </a:solidFill>
+                <a:latin typeface="Times New Roman" panose="02020603050405020304" pitchFamily="18" charset="0"/>
+                <a:cs typeface="Times New Roman" panose="02020603050405020304" pitchFamily="18" charset="0"/>
+              </a:rPr>
+              <a:t>Investment in environmental friendly technologies.</a:t>
+            </a:r>
+          </a:p>
+          <a:p>
+            <a:pPr marL="514350" indent="-514350" algn="just">
+              <a:buFont typeface="Arial" panose="020B0604020202020204" pitchFamily="34" charset="0"/>
+              <a:buChar char="•"/>
+            </a:pPr>
+            <a:r>
+              <a:rPr lang="en-US" dirty="0">
+                <a:solidFill>
+                  <a:schemeClr val="tx1"/>
+                </a:solidFill>
+                <a:latin typeface="Times New Roman" panose="02020603050405020304" pitchFamily="18" charset="0"/>
+                <a:cs typeface="Times New Roman" panose="02020603050405020304" pitchFamily="18" charset="0"/>
+              </a:rPr>
+              <a:t>Increase focus on plug-in hybrids and electric vehicles.</a:t>
+            </a:r>
+          </a:p>
+          <a:p>
+            <a:pPr marL="514350" indent="-514350" algn="just">
+              <a:buFont typeface="Arial" panose="020B0604020202020204" pitchFamily="34" charset="0"/>
+              <a:buChar char="•"/>
+            </a:pPr>
+            <a:r>
+              <a:rPr lang="en-US" dirty="0">
+                <a:solidFill>
+                  <a:schemeClr val="tx1"/>
+                </a:solidFill>
+                <a:latin typeface="Times New Roman" panose="02020603050405020304" pitchFamily="18" charset="0"/>
+                <a:cs typeface="Times New Roman" panose="02020603050405020304" pitchFamily="18" charset="0"/>
+              </a:rPr>
+              <a:t>Volkswagen will mandate new and stricter emissions testing which will be verified by an independent third party.</a:t>
+            </a:r>
+          </a:p>
+        </p:txBody>
+      </p:sp>
+    </p:spTree>
+    <p:extLst>
+      <p:ext uri="{BB962C8B-B14F-4D97-AF65-F5344CB8AC3E}">
+        <p14:creationId xmlns:p14="http://schemas.microsoft.com/office/powerpoint/2010/main" val="1197921222"/>
+      </p:ext>
+    </p:extLst>
+  </p:cSld>
+  <p:clrMapOvr>
+    <a:masterClrMapping/>
+  </p:clrMapOvr>
+</p:sld>
+</file>
+
+<file path=ppt/slides/slide11.xml><?xml version="1.0" encoding="utf-8"?>
+<p:sld xmlns:a="http://schemas.openxmlformats.org/drawingml/2006/main" xmlns:r="http://schemas.openxmlformats.org/officeDocument/2006/relationships" xmlns:p="http://schemas.openxmlformats.org/presentationml/2006/main">
+  <p:cSld>
+    <p:spTree>
+      <p:nvGrpSpPr>
+        <p:cNvPr id="1" name=""/>
+        <p:cNvGrpSpPr/>
+        <p:nvPr/>
+      </p:nvGrpSpPr>
+      <p:grpSpPr>
+        <a:xfrm>
+          <a:off x="0" y="0"/>
+          <a:ext cx="0" cy="0"/>
+          <a:chOff x="0" y="0"/>
+          <a:chExt cx="0" cy="0"/>
+        </a:xfrm>
+      </p:grpSpPr>
+      <p:pic>
+        <p:nvPicPr>
+          <p:cNvPr id="4" name="Picture 2" descr="C:\Users\ajink\OneDrive\Desktop\Volkswagen-emissions-anniversary.jpg"/>
+          <p:cNvPicPr>
+            <a:picLocks noChangeAspect="1" noChangeArrowheads="1"/>
+          </p:cNvPicPr>
+          <p:nvPr/>
+        </p:nvPicPr>
+        <p:blipFill>
+          <a:blip r:embed="rId2">
+            <a:extLst>
+              <a:ext uri="{28A0092B-C50C-407E-A947-70E740481C1C}">
+                <a14:useLocalDpi xmlns:a14="http://schemas.microsoft.com/office/drawing/2010/main" val="0"/>
+              </a:ext>
+            </a:extLst>
+          </a:blip>
+          <a:srcRect/>
+          <a:stretch>
+            <a:fillRect/>
+          </a:stretch>
+        </p:blipFill>
+        <p:spPr bwMode="auto">
+          <a:xfrm>
+            <a:off x="0" y="0"/>
+            <a:ext cx="9144000" cy="6857999"/>
+          </a:xfrm>
+          <a:prstGeom prst="rect">
+            <a:avLst/>
+          </a:prstGeom>
+          <a:noFill/>
+          <a:extLst>
+            <a:ext uri="{909E8E84-426E-40DD-AFC4-6F175D3DCCD1}">
+              <a14:hiddenFill xmlns:a14="http://schemas.microsoft.com/office/drawing/2010/main">
+                <a:solidFill>
+                  <a:srgbClr val="FFFFFF"/>
+                </a:solidFill>
+              </a14:hiddenFill>
+            </a:ext>
+          </a:extLst>
+        </p:spPr>
+      </p:pic>
+      <p:sp>
+        <p:nvSpPr>
+          <p:cNvPr id="2" name="Title 1"/>
+          <p:cNvSpPr>
+            <a:spLocks noGrp="1"/>
+          </p:cNvSpPr>
+          <p:nvPr>
+            <p:ph type="ctrTitle"/>
+          </p:nvPr>
+        </p:nvSpPr>
+        <p:spPr>
+          <a:xfrm>
+            <a:off x="0" y="0"/>
+            <a:ext cx="9144000" cy="1470025"/>
+          </a:xfrm>
+        </p:spPr>
+        <p:txBody>
+          <a:bodyPr/>
+          <a:lstStyle/>
+          <a:p>
+            <a:r>
+              <a:rPr lang="en-US" dirty="0">
+                <a:solidFill>
+                  <a:schemeClr val="bg1"/>
+                </a:solidFill>
+                <a:latin typeface="Algerian" panose="04020705040A02060702" pitchFamily="82" charset="0"/>
+              </a:rPr>
+              <a:t>References</a:t>
+            </a:r>
+          </a:p>
+        </p:txBody>
+      </p:sp>
+      <p:sp>
+        <p:nvSpPr>
+          <p:cNvPr id="3" name="Subtitle 2"/>
+          <p:cNvSpPr>
+            <a:spLocks noGrp="1"/>
+          </p:cNvSpPr>
+          <p:nvPr>
+            <p:ph type="subTitle" idx="1"/>
+          </p:nvPr>
+        </p:nvSpPr>
+        <p:spPr>
+          <a:xfrm>
+            <a:off x="0" y="1447800"/>
+            <a:ext cx="9144000" cy="5410200"/>
+          </a:xfrm>
+        </p:spPr>
+        <p:txBody>
+          <a:bodyPr/>
+          <a:lstStyle/>
+          <a:p>
+            <a:pPr marL="457200" indent="-457200" algn="just">
+              <a:buFont typeface="Arial" panose="020B0604020202020204" pitchFamily="34" charset="0"/>
+              <a:buChar char="•"/>
+            </a:pPr>
+            <a:r>
+              <a:rPr lang="en-US" dirty="0">
+                <a:solidFill>
+                  <a:schemeClr val="tx1"/>
+                </a:solidFill>
+                <a:latin typeface="Times New Roman" panose="02020603050405020304" pitchFamily="18" charset="0"/>
+                <a:cs typeface="Times New Roman" panose="02020603050405020304" pitchFamily="18" charset="0"/>
+                <a:hlinkClick r:id="rId3"/>
+              </a:rPr>
+              <a:t>https://www.theguardian.com/business/2015/sep/18/epa-california-investigate-volkswagen-clean-air-violations</a:t>
+            </a:r>
+            <a:endParaRPr lang="en-US" dirty="0">
+              <a:solidFill>
+                <a:schemeClr val="tx1"/>
+              </a:solidFill>
+              <a:latin typeface="Times New Roman" panose="02020603050405020304" pitchFamily="18" charset="0"/>
+              <a:cs typeface="Times New Roman" panose="02020603050405020304" pitchFamily="18" charset="0"/>
+            </a:endParaRPr>
+          </a:p>
+          <a:p>
+            <a:pPr marL="457200" indent="-457200" algn="just">
+              <a:buFont typeface="Arial" panose="020B0604020202020204" pitchFamily="34" charset="0"/>
+              <a:buChar char="•"/>
+            </a:pPr>
+            <a:r>
+              <a:rPr lang="en-US" dirty="0">
+                <a:solidFill>
+                  <a:schemeClr val="tx1"/>
+                </a:solidFill>
+                <a:latin typeface="Times New Roman" panose="02020603050405020304" pitchFamily="18" charset="0"/>
+                <a:cs typeface="Times New Roman" panose="02020603050405020304" pitchFamily="18" charset="0"/>
+                <a:hlinkClick r:id="rId4"/>
+              </a:rPr>
+              <a:t>http://www.orlandosentinel.com/business/brinkmann-on-business/os-volkswagen-ceo-20150924-story.html</a:t>
+            </a:r>
+            <a:endParaRPr lang="en-US" dirty="0">
+              <a:solidFill>
+                <a:schemeClr val="tx1"/>
+              </a:solidFill>
+              <a:latin typeface="Times New Roman" panose="02020603050405020304" pitchFamily="18" charset="0"/>
+              <a:cs typeface="Times New Roman" panose="02020603050405020304" pitchFamily="18" charset="0"/>
+            </a:endParaRPr>
+          </a:p>
+          <a:p>
+            <a:pPr marL="457200" indent="-457200" algn="just">
+              <a:buFont typeface="Arial" panose="020B0604020202020204" pitchFamily="34" charset="0"/>
+              <a:buChar char="•"/>
+            </a:pPr>
+            <a:r>
+              <a:rPr lang="en-US" dirty="0">
+                <a:solidFill>
+                  <a:schemeClr val="tx1"/>
+                </a:solidFill>
+                <a:latin typeface="Times New Roman" panose="02020603050405020304" pitchFamily="18" charset="0"/>
+                <a:cs typeface="Times New Roman" panose="02020603050405020304" pitchFamily="18" charset="0"/>
+                <a:hlinkClick r:id="rId5"/>
+              </a:rPr>
+              <a:t>https://www.businessinsider.in/Theres-no-way-Volkswagen-is-going-to-pay-the-US-18-billion-in-fines-for-cheating-on-emissions-tests/articleshow/49050000.cms</a:t>
+            </a:r>
+            <a:endParaRPr lang="en-US" dirty="0">
+              <a:solidFill>
+                <a:schemeClr val="tx1"/>
+              </a:solidFill>
+              <a:latin typeface="Times New Roman" panose="02020603050405020304" pitchFamily="18" charset="0"/>
+              <a:cs typeface="Times New Roman" panose="02020603050405020304" pitchFamily="18" charset="0"/>
+            </a:endParaRPr>
+          </a:p>
+          <a:p>
+            <a:pPr algn="just"/>
+            <a:endParaRPr lang="en-US" dirty="0">
+              <a:solidFill>
+                <a:schemeClr val="tx1"/>
+              </a:solidFill>
+              <a:latin typeface="Times New Roman" panose="02020603050405020304" pitchFamily="18" charset="0"/>
+              <a:cs typeface="Times New Roman" panose="02020603050405020304" pitchFamily="18" charset="0"/>
+            </a:endParaRPr>
+          </a:p>
+        </p:txBody>
+      </p:sp>
+    </p:spTree>
+    <p:extLst>
+      <p:ext uri="{BB962C8B-B14F-4D97-AF65-F5344CB8AC3E}">
+        <p14:creationId xmlns:p14="http://schemas.microsoft.com/office/powerpoint/2010/main" val="2829310678"/>
+      </p:ext>
+    </p:extLst>
+  </p:cSld>
+  <p:clrMapOvr>
+    <a:masterClrMapping/>
+  </p:clrMapOvr>
+</p:sld>
+</file>
+
+<file path=ppt/slides/slide12.xml><?xml version="1.0" encoding="utf-8"?>
 <p:sld xmlns:a="http://schemas.openxmlformats.org/drawingml/2006/main" xmlns:r="http://schemas.openxmlformats.org/officeDocument/2006/relationships" xmlns:p="http://schemas.openxmlformats.org/presentationml/2006/main">
   <p:cSld>
     <p:spTree>
@@ -3827,7 +4436,7 @@
           <a:p>
             <a:pPr algn="ctr"/>
             <a:r>
-              <a:rPr lang="en-US" sz="5400" b="1" cap="all" spc="0" dirty="0" smtClean="0">
+              <a:rPr lang="en-US" sz="5400" b="1" cap="all" spc="0" dirty="0">
                 <a:ln w="9000" cmpd="sng">
                   <a:solidFill>
                     <a:schemeClr val="accent4">
@@ -3871,48 +4480,6 @@
               </a:rPr>
               <a:t>!!! THANK YOU !!!</a:t>
             </a:r>
-            <a:endParaRPr lang="en-US" sz="5400" b="1" cap="all" spc="0" dirty="0">
-              <a:ln w="9000" cmpd="sng">
-                <a:solidFill>
-                  <a:schemeClr val="accent4">
-                    <a:shade val="50000"/>
-                    <a:satMod val="120000"/>
-                  </a:schemeClr>
-                </a:solidFill>
-                <a:prstDash val="solid"/>
-              </a:ln>
-              <a:gradFill>
-                <a:gsLst>
-                  <a:gs pos="0">
-                    <a:schemeClr val="accent4">
-                      <a:shade val="20000"/>
-                      <a:satMod val="245000"/>
-                    </a:schemeClr>
-                  </a:gs>
-                  <a:gs pos="43000">
-                    <a:schemeClr val="accent4">
-                      <a:satMod val="255000"/>
-                    </a:schemeClr>
-                  </a:gs>
-                  <a:gs pos="48000">
-                    <a:schemeClr val="accent4">
-                      <a:shade val="85000"/>
-                      <a:satMod val="255000"/>
-                    </a:schemeClr>
-                  </a:gs>
-                  <a:gs pos="100000">
-                    <a:schemeClr val="accent4">
-                      <a:shade val="20000"/>
-                      <a:satMod val="245000"/>
-                    </a:schemeClr>
-                  </a:gs>
-                </a:gsLst>
-                <a:lin ang="5400000"/>
-              </a:gradFill>
-              <a:effectLst>
-                <a:reflection blurRad="12700" stA="28000" endPos="45000" dist="1000" dir="5400000" sy="-100000" algn="bl" rotWithShape="0"/>
-              </a:effectLst>
-            </a:endParaRPr>
           </a:p>
         </p:txBody>
       </p:sp>
@@ -4008,14 +4575,14 @@
           <a:lstStyle/>
           <a:p>
             <a:r>
-              <a:rPr lang="en-US" dirty="0" smtClean="0">
+              <a:rPr lang="en-US" dirty="0">
+                <a:solidFill>
+                  <a:schemeClr val="bg1"/>
+                </a:solidFill>
                 <a:latin typeface="Algerian" panose="04020705040A02060702" pitchFamily="82" charset="0"/>
               </a:rPr>
               <a:t>WHAT IS VOLKSWAGEN</a:t>
             </a:r>
-            <a:endParaRPr lang="en-US" dirty="0">
-              <a:latin typeface="Algerian" panose="04020705040A02060702" pitchFamily="82" charset="0"/>
-            </a:endParaRPr>
           </a:p>
         </p:txBody>
       </p:sp>
@@ -4039,14 +4606,52 @@
           <a:bodyPr/>
           <a:lstStyle/>
           <a:p>
-            <a:pPr algn="just"/>
-            <a:endParaRPr lang="en-US" dirty="0">
-              <a:solidFill>
-                <a:schemeClr val="tx1"/>
-              </a:solidFill>
-              <a:latin typeface="Times New Roman" panose="02020603050405020304" pitchFamily="18" charset="0"/>
-              <a:cs typeface="Times New Roman" panose="02020603050405020304" pitchFamily="18" charset="0"/>
-            </a:endParaRPr>
+            <a:pPr marL="457200" indent="-457200" algn="just">
+              <a:buFont typeface="Arial" panose="020B0604020202020204" pitchFamily="34" charset="0"/>
+              <a:buChar char="•"/>
+            </a:pPr>
+            <a:r>
+              <a:rPr lang="en-US" dirty="0">
+                <a:solidFill>
+                  <a:schemeClr val="tx1"/>
+                </a:solidFill>
+                <a:latin typeface="Times New Roman" panose="02020603050405020304" pitchFamily="18" charset="0"/>
+                <a:cs typeface="Times New Roman" panose="02020603050405020304" pitchFamily="18" charset="0"/>
+              </a:rPr>
+              <a:t>German automaker founded on 28 May 1937 by the German Labor Front under Adolf Hitler and headquartered in Wolfsburg.</a:t>
+            </a:r>
+          </a:p>
+          <a:p>
+            <a:pPr marL="457200" indent="-457200" algn="just">
+              <a:buFont typeface="Arial" panose="020B0604020202020204" pitchFamily="34" charset="0"/>
+              <a:buChar char="•"/>
+            </a:pPr>
+            <a:r>
+              <a:rPr lang="en-US" dirty="0">
+                <a:solidFill>
+                  <a:schemeClr val="tx1"/>
+                </a:solidFill>
+                <a:latin typeface="Times New Roman" panose="02020603050405020304" pitchFamily="18" charset="0"/>
+                <a:cs typeface="Times New Roman" panose="02020603050405020304" pitchFamily="18" charset="0"/>
+              </a:rPr>
+              <a:t>Flagship marque of the Volkswagen Group, the largest automaker by worldwide sales in 2016.</a:t>
+            </a:r>
+          </a:p>
+          <a:p>
+            <a:pPr marL="457200" indent="-457200" algn="just">
+              <a:buFont typeface="Arial" panose="020B0604020202020204" pitchFamily="34" charset="0"/>
+              <a:buChar char="•"/>
+            </a:pPr>
+            <a:r>
+              <a:rPr lang="en-US" dirty="0">
+                <a:solidFill>
+                  <a:schemeClr val="tx1"/>
+                </a:solidFill>
+                <a:latin typeface="Times New Roman" panose="02020603050405020304" pitchFamily="18" charset="0"/>
+                <a:cs typeface="Times New Roman" panose="02020603050405020304" pitchFamily="18" charset="0"/>
+              </a:rPr>
+              <a:t>In 2011, Volkswagen was named in the top 25 largest companies in the world by the Forbes Global 2000.</a:t>
+            </a:r>
           </a:p>
         </p:txBody>
       </p:sp>
@@ -4142,14 +4747,14 @@
           <a:lstStyle/>
           <a:p>
             <a:r>
-              <a:rPr lang="en-US" dirty="0" smtClean="0">
+              <a:rPr lang="en-US" dirty="0">
+                <a:solidFill>
+                  <a:schemeClr val="bg1"/>
+                </a:solidFill>
                 <a:latin typeface="Algerian" panose="04020705040A02060702" pitchFamily="82" charset="0"/>
               </a:rPr>
               <a:t>WHAT WAS THE CASE</a:t>
             </a:r>
-            <a:endParaRPr lang="en-US" dirty="0">
-              <a:latin typeface="Algerian" panose="04020705040A02060702" pitchFamily="82" charset="0"/>
-            </a:endParaRPr>
           </a:p>
         </p:txBody>
       </p:sp>
@@ -4170,17 +4775,57 @@
           </a:xfrm>
         </p:spPr>
         <p:txBody>
-          <a:bodyPr/>
-          <a:lstStyle/>
-          <a:p>
-            <a:pPr algn="just"/>
-            <a:endParaRPr lang="en-US" dirty="0">
-              <a:solidFill>
-                <a:schemeClr val="tx1"/>
-              </a:solidFill>
-              <a:latin typeface="Times New Roman" panose="02020603050405020304" pitchFamily="18" charset="0"/>
-              <a:cs typeface="Times New Roman" panose="02020603050405020304" pitchFamily="18" charset="0"/>
-            </a:endParaRPr>
+          <a:bodyPr>
+            <a:normAutofit/>
+          </a:bodyPr>
+          <a:lstStyle/>
+          <a:p>
+            <a:pPr marL="514350" indent="-514350" algn="just">
+              <a:buFont typeface="Arial" panose="020B0604020202020204" pitchFamily="34" charset="0"/>
+              <a:buChar char="•"/>
+            </a:pPr>
+            <a:r>
+              <a:rPr lang="en-US" dirty="0">
+                <a:solidFill>
+                  <a:schemeClr val="tx1"/>
+                </a:solidFill>
+                <a:latin typeface="Times New Roman" panose="02020603050405020304" pitchFamily="18" charset="0"/>
+                <a:cs typeface="Times New Roman" panose="02020603050405020304" pitchFamily="18" charset="0"/>
+              </a:rPr>
+              <a:t>Volkswagen cheated nitrogen oxide emissions test as it emitted 40 times more NOx than the standard emission control.</a:t>
+            </a:r>
+          </a:p>
+          <a:p>
+            <a:pPr marL="514350" indent="-514350" algn="just">
+              <a:buFont typeface="Arial" panose="020B0604020202020204" pitchFamily="34" charset="0"/>
+              <a:buChar char="•"/>
+            </a:pPr>
+            <a:r>
+              <a:rPr lang="en-US" dirty="0">
+                <a:solidFill>
+                  <a:schemeClr val="tx1"/>
+                </a:solidFill>
+                <a:latin typeface="Times New Roman" panose="02020603050405020304" pitchFamily="18" charset="0"/>
+                <a:cs typeface="Times New Roman" panose="02020603050405020304" pitchFamily="18" charset="0"/>
+              </a:rPr>
+              <a:t>Volkswagen not only disregarded EPA laws and restrictions but also invented software to avoid them.</a:t>
+            </a:r>
+          </a:p>
+          <a:p>
+            <a:pPr marL="514350" indent="-514350" algn="just">
+              <a:buFont typeface="Arial" panose="020B0604020202020204" pitchFamily="34" charset="0"/>
+              <a:buChar char="•"/>
+            </a:pPr>
+            <a:r>
+              <a:rPr lang="en-US" dirty="0">
+                <a:solidFill>
+                  <a:schemeClr val="tx1"/>
+                </a:solidFill>
+                <a:latin typeface="Times New Roman" panose="02020603050405020304" pitchFamily="18" charset="0"/>
+                <a:cs typeface="Times New Roman" panose="02020603050405020304" pitchFamily="18" charset="0"/>
+              </a:rPr>
+              <a:t>It was significantly changing the fuel pressure, injection timing, exhaust-gas recirculation.</a:t>
+            </a:r>
           </a:p>
         </p:txBody>
       </p:sp>
@@ -4276,14 +4921,14 @@
           <a:lstStyle/>
           <a:p>
             <a:r>
-              <a:rPr lang="en-US" dirty="0" smtClean="0">
+              <a:rPr lang="en-US" dirty="0">
+                <a:solidFill>
+                  <a:schemeClr val="bg1"/>
+                </a:solidFill>
                 <a:latin typeface="Algerian" panose="04020705040A02060702" pitchFamily="82" charset="0"/>
               </a:rPr>
               <a:t>REASON BEHIND CASE</a:t>
             </a:r>
-            <a:endParaRPr lang="en-US" dirty="0">
-              <a:latin typeface="Algerian" panose="04020705040A02060702" pitchFamily="82" charset="0"/>
-            </a:endParaRPr>
           </a:p>
         </p:txBody>
       </p:sp>
@@ -4307,14 +4952,68 @@
           <a:bodyPr/>
           <a:lstStyle/>
           <a:p>
-            <a:pPr algn="just"/>
-            <a:endParaRPr lang="en-US" dirty="0">
-              <a:solidFill>
-                <a:schemeClr val="tx1"/>
-              </a:solidFill>
-              <a:latin typeface="Times New Roman" panose="02020603050405020304" pitchFamily="18" charset="0"/>
-              <a:cs typeface="Times New Roman" panose="02020603050405020304" pitchFamily="18" charset="0"/>
-            </a:endParaRPr>
+            <a:pPr marL="514350" indent="-514350" algn="just">
+              <a:buFont typeface="Arial" panose="020B0604020202020204" pitchFamily="34" charset="0"/>
+              <a:buChar char="•"/>
+            </a:pPr>
+            <a:r>
+              <a:rPr lang="en-US" dirty="0">
+                <a:solidFill>
+                  <a:schemeClr val="tx1"/>
+                </a:solidFill>
+                <a:latin typeface="Times New Roman" panose="02020603050405020304" pitchFamily="18" charset="0"/>
+                <a:cs typeface="Times New Roman" panose="02020603050405020304" pitchFamily="18" charset="0"/>
+              </a:rPr>
+              <a:t>Dishonesty, lack of professionalism, and lack of responsibility</a:t>
+            </a:r>
+          </a:p>
+          <a:p>
+            <a:pPr marL="514350" indent="-514350" algn="just">
+              <a:buFont typeface="Arial" panose="020B0604020202020204" pitchFamily="34" charset="0"/>
+              <a:buChar char="•"/>
+            </a:pPr>
+            <a:r>
+              <a:rPr lang="en-US" dirty="0">
+                <a:solidFill>
+                  <a:schemeClr val="tx1"/>
+                </a:solidFill>
+                <a:latin typeface="Times New Roman" panose="02020603050405020304" pitchFamily="18" charset="0"/>
+                <a:cs typeface="Times New Roman" panose="02020603050405020304" pitchFamily="18" charset="0"/>
+              </a:rPr>
+              <a:t>The company tried to avoid dissents and discussions as much as they could.</a:t>
+            </a:r>
+          </a:p>
+          <a:p>
+            <a:pPr marL="514350" indent="-514350" algn="just">
+              <a:buFont typeface="Arial" panose="020B0604020202020204" pitchFamily="34" charset="0"/>
+              <a:buChar char="•"/>
+            </a:pPr>
+            <a:r>
+              <a:rPr lang="en-US" dirty="0">
+                <a:solidFill>
+                  <a:schemeClr val="tx1"/>
+                </a:solidFill>
+                <a:latin typeface="Times New Roman" panose="02020603050405020304" pitchFamily="18" charset="0"/>
+                <a:cs typeface="Times New Roman" panose="02020603050405020304" pitchFamily="18" charset="0"/>
+              </a:rPr>
+              <a:t>The rewarding system of Volkswagen to prefer keeping quiet about rigging in emission tests for a long time even if the employees prefer to reveal</a:t>
+            </a:r>
+          </a:p>
+          <a:p>
+            <a:pPr marL="514350" indent="-514350" algn="just">
+              <a:buFont typeface="Arial" panose="020B0604020202020204" pitchFamily="34" charset="0"/>
+              <a:buChar char="•"/>
+            </a:pPr>
+            <a:r>
+              <a:rPr lang="en-US" dirty="0">
+                <a:solidFill>
+                  <a:schemeClr val="tx1"/>
+                </a:solidFill>
+                <a:latin typeface="Times New Roman" panose="02020603050405020304" pitchFamily="18" charset="0"/>
+                <a:cs typeface="Times New Roman" panose="02020603050405020304" pitchFamily="18" charset="0"/>
+              </a:rPr>
+              <a:t>Volkswagen may have wanted to avoid the cost of additional hardware, so it came up with a cheaper software fix.</a:t>
+            </a:r>
           </a:p>
         </p:txBody>
       </p:sp>
@@ -4410,48 +5109,58 @@
           <a:lstStyle/>
           <a:p>
             <a:r>
-              <a:rPr lang="en-US" dirty="0" smtClean="0">
+              <a:rPr lang="en-US" dirty="0">
+                <a:solidFill>
+                  <a:schemeClr val="bg1"/>
+                </a:solidFill>
                 <a:latin typeface="Algerian" panose="04020705040A02060702" pitchFamily="82" charset="0"/>
               </a:rPr>
               <a:t>EFFECTS OF CASE</a:t>
             </a:r>
-            <a:endParaRPr lang="en-US" dirty="0">
-              <a:latin typeface="Algerian" panose="04020705040A02060702" pitchFamily="82" charset="0"/>
-            </a:endParaRPr>
-          </a:p>
-        </p:txBody>
-      </p:sp>
-      <p:sp>
-        <p:nvSpPr>
-          <p:cNvPr id="3" name="Subtitle 2"/>
-          <p:cNvSpPr>
-            <a:spLocks noGrp="1"/>
-          </p:cNvSpPr>
-          <p:nvPr>
-            <p:ph type="subTitle" idx="1"/>
-          </p:nvPr>
-        </p:nvSpPr>
-        <p:spPr>
+          </a:p>
+        </p:txBody>
+      </p:sp>
+      <p:pic>
+        <p:nvPicPr>
+          <p:cNvPr id="1026" name="Picture 2" descr="https://image.slidesharecdn.com/vwdiesel-151202144013-lva1-app6891/95/volkswagen-emission-scandal-4-1024.jpg?cb=1449067339"/>
+          <p:cNvPicPr>
+            <a:picLocks noChangeAspect="1" noChangeArrowheads="1"/>
+          </p:cNvPicPr>
+          <p:nvPr/>
+        </p:nvPicPr>
+        <p:blipFill>
+          <a:blip r:embed="rId3">
+            <a:extLst>
+              <a:ext uri="{28A0092B-C50C-407E-A947-70E740481C1C}">
+                <a14:useLocalDpi xmlns:a14="http://schemas.microsoft.com/office/drawing/2010/main" val="0"/>
+              </a:ext>
+            </a:extLst>
+          </a:blip>
+          <a:srcRect/>
+          <a:stretch>
+            <a:fillRect/>
+          </a:stretch>
+        </p:blipFill>
+        <p:spPr bwMode="auto">
           <a:xfrm>
             <a:off x="0" y="1447800"/>
-            <a:ext cx="9144000" cy="5410200"/>
+            <a:ext cx="9144000" cy="5410199"/>
           </a:xfrm>
+          <a:prstGeom prst="rect">
+            <a:avLst/>
+          </a:prstGeom>
+          <a:noFill/>
+          <a:extLst>
+            <a:ext uri="{909E8E84-426E-40DD-AFC4-6F175D3DCCD1}">
+              <a14:hiddenFill xmlns:a14="http://schemas.microsoft.com/office/drawing/2010/main">
+                <a:solidFill>
+                  <a:srgbClr val="FFFFFF"/>
+                </a:solidFill>
+              </a14:hiddenFill>
+            </a:ext>
+          </a:extLst>
         </p:spPr>
-        <p:txBody>
-          <a:bodyPr/>
-          <a:lstStyle/>
-          <a:p>
-            <a:pPr algn="just"/>
-            <a:endParaRPr lang="en-US" dirty="0">
-              <a:solidFill>
-                <a:schemeClr val="tx1"/>
-              </a:solidFill>
-              <a:latin typeface="Times New Roman" panose="02020603050405020304" pitchFamily="18" charset="0"/>
-              <a:cs typeface="Times New Roman" panose="02020603050405020304" pitchFamily="18" charset="0"/>
-            </a:endParaRPr>
-          </a:p>
-        </p:txBody>
-      </p:sp>
+      </p:pic>
     </p:spTree>
     <p:extLst>
       <p:ext uri="{BB962C8B-B14F-4D97-AF65-F5344CB8AC3E}">
@@ -4544,14 +5253,14 @@
           <a:lstStyle/>
           <a:p>
             <a:r>
-              <a:rPr lang="en-US" dirty="0" smtClean="0">
+              <a:rPr lang="en-US" dirty="0">
+                <a:solidFill>
+                  <a:schemeClr val="bg1"/>
+                </a:solidFill>
                 <a:latin typeface="Algerian" panose="04020705040A02060702" pitchFamily="82" charset="0"/>
               </a:rPr>
-              <a:t>FURTHER STEPS BY VOLKSWAGEN</a:t>
-            </a:r>
-            <a:endParaRPr lang="en-US" dirty="0">
-              <a:latin typeface="Algerian" panose="04020705040A02060702" pitchFamily="82" charset="0"/>
-            </a:endParaRPr>
+              <a:t>EFFECTS OF CASE</a:t>
+            </a:r>
           </a:p>
         </p:txBody>
       </p:sp>
@@ -4575,21 +5284,107 @@
           <a:bodyPr/>
           <a:lstStyle/>
           <a:p>
-            <a:pPr algn="just"/>
-            <a:endParaRPr lang="en-US" dirty="0">
-              <a:solidFill>
-                <a:schemeClr val="tx1"/>
-              </a:solidFill>
-              <a:latin typeface="Times New Roman" panose="02020603050405020304" pitchFamily="18" charset="0"/>
-              <a:cs typeface="Times New Roman" panose="02020603050405020304" pitchFamily="18" charset="0"/>
-            </a:endParaRPr>
+            <a:pPr marL="514350" indent="-514350" algn="just">
+              <a:buFont typeface="Arial" panose="020B0604020202020204" pitchFamily="34" charset="0"/>
+              <a:buChar char="•"/>
+            </a:pPr>
+            <a:r>
+              <a:rPr lang="en-US" dirty="0">
+                <a:solidFill>
+                  <a:schemeClr val="tx1"/>
+                </a:solidFill>
+                <a:latin typeface="Times New Roman" panose="02020603050405020304" pitchFamily="18" charset="0"/>
+                <a:cs typeface="Times New Roman" panose="02020603050405020304" pitchFamily="18" charset="0"/>
+              </a:rPr>
+              <a:t>The company’s reputation damaged.</a:t>
+            </a:r>
+          </a:p>
+          <a:p>
+            <a:pPr marL="514350" indent="-514350" algn="just">
+              <a:buFont typeface="Arial" panose="020B0604020202020204" pitchFamily="34" charset="0"/>
+              <a:buChar char="•"/>
+            </a:pPr>
+            <a:r>
+              <a:rPr lang="en-US" dirty="0">
+                <a:solidFill>
+                  <a:schemeClr val="tx1"/>
+                </a:solidFill>
+                <a:latin typeface="Times New Roman" panose="02020603050405020304" pitchFamily="18" charset="0"/>
+                <a:cs typeface="Times New Roman" panose="02020603050405020304" pitchFamily="18" charset="0"/>
+              </a:rPr>
+              <a:t>Global sales of Volkswagen declined.</a:t>
+            </a:r>
+          </a:p>
+          <a:p>
+            <a:pPr marL="514350" indent="-514350" algn="just">
+              <a:buFont typeface="Arial" panose="020B0604020202020204" pitchFamily="34" charset="0"/>
+              <a:buChar char="•"/>
+            </a:pPr>
+            <a:r>
+              <a:rPr lang="en-US" dirty="0">
+                <a:solidFill>
+                  <a:schemeClr val="tx1"/>
+                </a:solidFill>
+                <a:latin typeface="Times New Roman" panose="02020603050405020304" pitchFamily="18" charset="0"/>
+                <a:cs typeface="Times New Roman" panose="02020603050405020304" pitchFamily="18" charset="0"/>
+              </a:rPr>
+              <a:t>Fine up to $18bn.</a:t>
+            </a:r>
+          </a:p>
+          <a:p>
+            <a:pPr marL="514350" indent="-514350" algn="just">
+              <a:buFont typeface="Arial" panose="020B0604020202020204" pitchFamily="34" charset="0"/>
+              <a:buChar char="•"/>
+            </a:pPr>
+            <a:r>
+              <a:rPr lang="en-US" dirty="0">
+                <a:solidFill>
+                  <a:schemeClr val="tx1"/>
+                </a:solidFill>
+                <a:latin typeface="Times New Roman" panose="02020603050405020304" pitchFamily="18" charset="0"/>
+                <a:cs typeface="Times New Roman" panose="02020603050405020304" pitchFamily="18" charset="0"/>
+              </a:rPr>
+              <a:t>Loss of customers’ goodwill and trust.</a:t>
+            </a:r>
+          </a:p>
+          <a:p>
+            <a:pPr marL="514350" indent="-514350" algn="just">
+              <a:buFont typeface="Arial" panose="020B0604020202020204" pitchFamily="34" charset="0"/>
+              <a:buChar char="•"/>
+            </a:pPr>
+            <a:r>
+              <a:rPr lang="en-US" dirty="0">
+                <a:solidFill>
+                  <a:schemeClr val="tx1"/>
+                </a:solidFill>
+                <a:latin typeface="Times New Roman" panose="02020603050405020304" pitchFamily="18" charset="0"/>
+                <a:cs typeface="Times New Roman" panose="02020603050405020304" pitchFamily="18" charset="0"/>
+              </a:rPr>
+              <a:t>Volkswagen vehicles were emitting an enormous amount of nitrogen oxides causing huge amount of air pollution.</a:t>
+            </a:r>
+          </a:p>
+          <a:p>
+            <a:pPr marL="514350" indent="-514350" algn="just">
+              <a:buFont typeface="Arial" panose="020B0604020202020204" pitchFamily="34" charset="0"/>
+              <a:buChar char="•"/>
+            </a:pPr>
+            <a:r>
+              <a:rPr lang="en-US" dirty="0">
+                <a:solidFill>
+                  <a:schemeClr val="tx1"/>
+                </a:solidFill>
+                <a:latin typeface="Times New Roman" panose="02020603050405020304" pitchFamily="18" charset="0"/>
+                <a:cs typeface="Times New Roman" panose="02020603050405020304" pitchFamily="18" charset="0"/>
+              </a:rPr>
+              <a:t>Under U.S. based law firm from October, actions were taken against responsible department heads.</a:t>
+            </a:r>
           </a:p>
         </p:txBody>
       </p:sp>
     </p:spTree>
     <p:extLst>
       <p:ext uri="{BB962C8B-B14F-4D97-AF65-F5344CB8AC3E}">
-        <p14:creationId xmlns:p14="http://schemas.microsoft.com/office/powerpoint/2010/main" val="462008756"/>
+        <p14:creationId xmlns:p14="http://schemas.microsoft.com/office/powerpoint/2010/main" val="3883885508"/>
       </p:ext>
     </p:extLst>
   </p:cSld>
@@ -4678,16 +5473,14 @@
           <a:lstStyle/>
           <a:p>
             <a:r>
-              <a:rPr lang="en-US" dirty="0" smtClean="0">
+              <a:rPr lang="en-US" dirty="0">
+                <a:solidFill>
+                  <a:schemeClr val="bg1"/>
+                </a:solidFill>
                 <a:latin typeface="Algerian" panose="04020705040A02060702" pitchFamily="82" charset="0"/>
-                <a:cs typeface="Times New Roman" panose="02020603050405020304" pitchFamily="18" charset="0"/>
               </a:rPr>
-              <a:t>HOW TO HANDLE CRISIS</a:t>
-            </a:r>
-            <a:endParaRPr lang="en-US" dirty="0">
-              <a:latin typeface="Algerian" panose="04020705040A02060702" pitchFamily="82" charset="0"/>
-              <a:cs typeface="Times New Roman" panose="02020603050405020304" pitchFamily="18" charset="0"/>
-            </a:endParaRPr>
+              <a:t>FURTHER STEPS BY VOLKSWAGEN</a:t>
+            </a:r>
           </a:p>
         </p:txBody>
       </p:sp>
@@ -4711,21 +5504,115 @@
           <a:bodyPr/>
           <a:lstStyle/>
           <a:p>
-            <a:pPr algn="just"/>
-            <a:endParaRPr lang="en-US" dirty="0">
-              <a:solidFill>
-                <a:schemeClr val="tx1"/>
-              </a:solidFill>
-              <a:latin typeface="Times New Roman" panose="02020603050405020304" pitchFamily="18" charset="0"/>
-              <a:cs typeface="Times New Roman" panose="02020603050405020304" pitchFamily="18" charset="0"/>
-            </a:endParaRPr>
+            <a:pPr marL="514350" indent="-514350" algn="just">
+              <a:buFont typeface="Arial" panose="020B0604020202020204" pitchFamily="34" charset="0"/>
+              <a:buChar char="•"/>
+            </a:pPr>
+            <a:r>
+              <a:rPr lang="en-US" dirty="0">
+                <a:solidFill>
+                  <a:schemeClr val="tx1"/>
+                </a:solidFill>
+                <a:latin typeface="Times New Roman" panose="02020603050405020304" pitchFamily="18" charset="0"/>
+                <a:cs typeface="Times New Roman" panose="02020603050405020304" pitchFamily="18" charset="0"/>
+              </a:rPr>
+              <a:t>Volkswagen is conducting an internal investigation, aided by U.S. law firm Jones Day. </a:t>
+            </a:r>
+          </a:p>
+          <a:p>
+            <a:pPr marL="514350" indent="-514350" algn="just">
+              <a:buFont typeface="Arial" panose="020B0604020202020204" pitchFamily="34" charset="0"/>
+              <a:buChar char="•"/>
+            </a:pPr>
+            <a:r>
+              <a:rPr lang="en-US" dirty="0">
+                <a:solidFill>
+                  <a:schemeClr val="tx1"/>
+                </a:solidFill>
+                <a:latin typeface="Times New Roman" panose="02020603050405020304" pitchFamily="18" charset="0"/>
+                <a:cs typeface="Times New Roman" panose="02020603050405020304" pitchFamily="18" charset="0"/>
+              </a:rPr>
+              <a:t> Martin Winterkorn, the CEO of VW Group resigned 5 days after the scandal broke out. Matthias Muller, CEO of Porsche has taken over</a:t>
+            </a:r>
+          </a:p>
+          <a:p>
+            <a:pPr marL="514350" indent="-514350" algn="just">
+              <a:buFont typeface="Arial" panose="020B0604020202020204" pitchFamily="34" charset="0"/>
+              <a:buChar char="•"/>
+            </a:pPr>
+            <a:r>
+              <a:rPr lang="en-US" dirty="0">
+                <a:solidFill>
+                  <a:schemeClr val="tx1"/>
+                </a:solidFill>
+                <a:latin typeface="Times New Roman" panose="02020603050405020304" pitchFamily="18" charset="0"/>
+                <a:cs typeface="Times New Roman" panose="02020603050405020304" pitchFamily="18" charset="0"/>
+              </a:rPr>
+              <a:t>In U.S Volkswagen has promised owners $500 in cash plus $500 in gift cards -- at a cost of about $250 million.</a:t>
+            </a:r>
+          </a:p>
+          <a:p>
+            <a:pPr marL="514350" indent="-514350" algn="just">
+              <a:buFont typeface="Arial" panose="020B0604020202020204" pitchFamily="34" charset="0"/>
+              <a:buChar char="•"/>
+            </a:pPr>
+            <a:r>
+              <a:rPr lang="en-US" dirty="0">
+                <a:solidFill>
+                  <a:schemeClr val="tx1"/>
+                </a:solidFill>
+                <a:latin typeface="Times New Roman" panose="02020603050405020304" pitchFamily="18" charset="0"/>
+                <a:cs typeface="Times New Roman" panose="02020603050405020304" pitchFamily="18" charset="0"/>
+              </a:rPr>
+              <a:t>VW suspended and Wolfgang </a:t>
+            </a:r>
+            <a:r>
+              <a:rPr lang="en-US" dirty="0" err="1">
+                <a:solidFill>
+                  <a:schemeClr val="tx1"/>
+                </a:solidFill>
+                <a:latin typeface="Times New Roman" panose="02020603050405020304" pitchFamily="18" charset="0"/>
+                <a:cs typeface="Times New Roman" panose="02020603050405020304" pitchFamily="18" charset="0"/>
+              </a:rPr>
+              <a:t>Hatz</a:t>
+            </a:r>
+            <a:r>
+              <a:rPr lang="en-US" dirty="0">
+                <a:solidFill>
+                  <a:schemeClr val="tx1"/>
+                </a:solidFill>
+                <a:latin typeface="Times New Roman" panose="02020603050405020304" pitchFamily="18" charset="0"/>
+                <a:cs typeface="Times New Roman" panose="02020603050405020304" pitchFamily="18" charset="0"/>
+              </a:rPr>
+              <a:t> Ulrich </a:t>
+            </a:r>
+            <a:r>
+              <a:rPr lang="en-US" dirty="0" err="1">
+                <a:solidFill>
+                  <a:schemeClr val="tx1"/>
+                </a:solidFill>
+                <a:latin typeface="Times New Roman" panose="02020603050405020304" pitchFamily="18" charset="0"/>
+                <a:cs typeface="Times New Roman" panose="02020603050405020304" pitchFamily="18" charset="0"/>
+              </a:rPr>
+              <a:t>Hackenberg</a:t>
+            </a:r>
+            <a:r>
+              <a:rPr lang="en-US" dirty="0">
+                <a:solidFill>
+                  <a:schemeClr val="tx1"/>
+                </a:solidFill>
+                <a:latin typeface="Times New Roman" panose="02020603050405020304" pitchFamily="18" charset="0"/>
+                <a:cs typeface="Times New Roman" panose="02020603050405020304" pitchFamily="18" charset="0"/>
+              </a:rPr>
+              <a:t>.</a:t>
+            </a:r>
           </a:p>
         </p:txBody>
       </p:sp>
     </p:spTree>
     <p:extLst>
       <p:ext uri="{BB962C8B-B14F-4D97-AF65-F5344CB8AC3E}">
-        <p14:creationId xmlns:p14="http://schemas.microsoft.com/office/powerpoint/2010/main" val="2604639149"/>
+        <p14:creationId xmlns:p14="http://schemas.microsoft.com/office/powerpoint/2010/main" val="462008756"/>
       </p:ext>
     </p:extLst>
   </p:cSld>
@@ -4814,14 +5701,15 @@
           <a:lstStyle/>
           <a:p>
             <a:r>
-              <a:rPr lang="en-US" dirty="0" smtClean="0">
+              <a:rPr lang="en-US" dirty="0">
+                <a:solidFill>
+                  <a:schemeClr val="bg1"/>
+                </a:solidFill>
                 <a:latin typeface="Algerian" panose="04020705040A02060702" pitchFamily="82" charset="0"/>
+                <a:cs typeface="Times New Roman" panose="02020603050405020304" pitchFamily="18" charset="0"/>
               </a:rPr>
-              <a:t>STEPS TO AVOID FURTHER CRISIS</a:t>
-            </a:r>
-            <a:endParaRPr lang="en-US" dirty="0">
-              <a:latin typeface="Algerian" panose="04020705040A02060702" pitchFamily="82" charset="0"/>
-            </a:endParaRPr>
+              <a:t>HOW TO HANDLE CRISIS</a:t>
+            </a:r>
           </a:p>
         </p:txBody>
       </p:sp>
@@ -4845,21 +5733,107 @@
           <a:bodyPr/>
           <a:lstStyle/>
           <a:p>
-            <a:pPr algn="just"/>
-            <a:endParaRPr lang="en-US" dirty="0">
-              <a:solidFill>
-                <a:schemeClr val="tx1"/>
-              </a:solidFill>
-              <a:latin typeface="Times New Roman" panose="02020603050405020304" pitchFamily="18" charset="0"/>
-              <a:cs typeface="Times New Roman" panose="02020603050405020304" pitchFamily="18" charset="0"/>
-            </a:endParaRPr>
+            <a:pPr marL="514350" indent="-514350" algn="just">
+              <a:buFont typeface="Arial" panose="020B0604020202020204" pitchFamily="34" charset="0"/>
+              <a:buChar char="•"/>
+            </a:pPr>
+            <a:r>
+              <a:rPr lang="en-US" dirty="0">
+                <a:solidFill>
+                  <a:schemeClr val="tx1"/>
+                </a:solidFill>
+                <a:latin typeface="Times New Roman" panose="02020603050405020304" pitchFamily="18" charset="0"/>
+                <a:cs typeface="Times New Roman" panose="02020603050405020304" pitchFamily="18" charset="0"/>
+              </a:rPr>
+              <a:t>Recall of all the defeat devices.</a:t>
+            </a:r>
+          </a:p>
+          <a:p>
+            <a:pPr marL="514350" indent="-514350" algn="just">
+              <a:buFont typeface="Arial" panose="020B0604020202020204" pitchFamily="34" charset="0"/>
+              <a:buChar char="•"/>
+            </a:pPr>
+            <a:r>
+              <a:rPr lang="en-US" dirty="0">
+                <a:solidFill>
+                  <a:schemeClr val="tx1"/>
+                </a:solidFill>
+                <a:latin typeface="Times New Roman" panose="02020603050405020304" pitchFamily="18" charset="0"/>
+                <a:cs typeface="Times New Roman" panose="02020603050405020304" pitchFamily="18" charset="0"/>
+              </a:rPr>
+              <a:t>Cleanup the NOx emissions in all affected cars.</a:t>
+            </a:r>
+          </a:p>
+          <a:p>
+            <a:pPr marL="514350" indent="-514350" algn="just">
+              <a:buFont typeface="Arial" panose="020B0604020202020204" pitchFamily="34" charset="0"/>
+              <a:buChar char="•"/>
+            </a:pPr>
+            <a:r>
+              <a:rPr lang="en-US" dirty="0">
+                <a:solidFill>
+                  <a:schemeClr val="tx1"/>
+                </a:solidFill>
+                <a:latin typeface="Times New Roman" panose="02020603050405020304" pitchFamily="18" charset="0"/>
+                <a:cs typeface="Times New Roman" panose="02020603050405020304" pitchFamily="18" charset="0"/>
+              </a:rPr>
+              <a:t>Accept all mistakes and answer all the queries.</a:t>
+            </a:r>
+          </a:p>
+          <a:p>
+            <a:pPr marL="514350" indent="-514350" algn="just">
+              <a:buFont typeface="Arial" panose="020B0604020202020204" pitchFamily="34" charset="0"/>
+              <a:buChar char="•"/>
+            </a:pPr>
+            <a:r>
+              <a:rPr lang="en-US" dirty="0">
+                <a:solidFill>
+                  <a:schemeClr val="tx1"/>
+                </a:solidFill>
+                <a:latin typeface="Times New Roman" panose="02020603050405020304" pitchFamily="18" charset="0"/>
+                <a:cs typeface="Times New Roman" panose="02020603050405020304" pitchFamily="18" charset="0"/>
+              </a:rPr>
+              <a:t>Try to restore the user’s faith and trust.</a:t>
+            </a:r>
+          </a:p>
+          <a:p>
+            <a:pPr marL="514350" indent="-514350" algn="just">
+              <a:buFont typeface="Arial" panose="020B0604020202020204" pitchFamily="34" charset="0"/>
+              <a:buChar char="•"/>
+            </a:pPr>
+            <a:r>
+              <a:rPr lang="en-US" dirty="0">
+                <a:solidFill>
+                  <a:schemeClr val="tx1"/>
+                </a:solidFill>
+                <a:latin typeface="Times New Roman" panose="02020603050405020304" pitchFamily="18" charset="0"/>
+                <a:cs typeface="Times New Roman" panose="02020603050405020304" pitchFamily="18" charset="0"/>
+              </a:rPr>
+              <a:t>Launch new models which are environmental friendly.</a:t>
+            </a:r>
+          </a:p>
+          <a:p>
+            <a:pPr marL="514350" indent="-514350" algn="just">
+              <a:buFont typeface="Arial" panose="020B0604020202020204" pitchFamily="34" charset="0"/>
+              <a:buChar char="•"/>
+            </a:pPr>
+            <a:r>
+              <a:rPr lang="en-US" dirty="0">
+                <a:solidFill>
+                  <a:schemeClr val="tx1"/>
+                </a:solidFill>
+                <a:latin typeface="Times New Roman" panose="02020603050405020304" pitchFamily="18" charset="0"/>
+                <a:cs typeface="Times New Roman" panose="02020603050405020304" pitchFamily="18" charset="0"/>
+              </a:rPr>
+              <a:t>Get wrongdoers out.</a:t>
+            </a:r>
           </a:p>
         </p:txBody>
       </p:sp>
     </p:spTree>
     <p:extLst>
       <p:ext uri="{BB962C8B-B14F-4D97-AF65-F5344CB8AC3E}">
-        <p14:creationId xmlns:p14="http://schemas.microsoft.com/office/powerpoint/2010/main" val="2509418358"/>
+        <p14:creationId xmlns:p14="http://schemas.microsoft.com/office/powerpoint/2010/main" val="2604639149"/>
       </p:ext>
     </p:extLst>
   </p:cSld>
@@ -4948,14 +5922,14 @@
           <a:lstStyle/>
           <a:p>
             <a:r>
-              <a:rPr lang="en-US" dirty="0" smtClean="0">
+              <a:rPr lang="en-US" dirty="0">
+                <a:solidFill>
+                  <a:schemeClr val="bg1"/>
+                </a:solidFill>
                 <a:latin typeface="Algerian" panose="04020705040A02060702" pitchFamily="82" charset="0"/>
               </a:rPr>
-              <a:t>HOW TO ADVERTISE COMPANY AGAIN</a:t>
-            </a:r>
-            <a:endParaRPr lang="en-US" dirty="0">
-              <a:latin typeface="Algerian" panose="04020705040A02060702" pitchFamily="82" charset="0"/>
-            </a:endParaRPr>
+              <a:t>STEPS TO AVOID FURTHER CRISIS</a:t>
+            </a:r>
           </a:p>
         </p:txBody>
       </p:sp>
@@ -4979,21 +5953,123 @@
           <a:bodyPr/>
           <a:lstStyle/>
           <a:p>
-            <a:pPr algn="just"/>
-            <a:endParaRPr lang="en-US" dirty="0">
-              <a:solidFill>
-                <a:schemeClr val="tx1"/>
-              </a:solidFill>
-              <a:latin typeface="Times New Roman" panose="02020603050405020304" pitchFamily="18" charset="0"/>
-              <a:cs typeface="Times New Roman" panose="02020603050405020304" pitchFamily="18" charset="0"/>
-            </a:endParaRPr>
+            <a:pPr marL="514350" indent="-514350" algn="just">
+              <a:buFont typeface="Arial" panose="020B0604020202020204" pitchFamily="34" charset="0"/>
+              <a:buChar char="•"/>
+            </a:pPr>
+            <a:r>
+              <a:rPr lang="en-US" dirty="0">
+                <a:solidFill>
+                  <a:schemeClr val="tx1"/>
+                </a:solidFill>
+                <a:latin typeface="Times New Roman" panose="02020603050405020304" pitchFamily="18" charset="0"/>
+                <a:cs typeface="Times New Roman" panose="02020603050405020304" pitchFamily="18" charset="0"/>
+              </a:rPr>
+              <a:t>Honesty, professionalism, and responsibility.</a:t>
+            </a:r>
+          </a:p>
+          <a:p>
+            <a:pPr marL="514350" indent="-514350" algn="just">
+              <a:buFont typeface="Arial" panose="020B0604020202020204" pitchFamily="34" charset="0"/>
+              <a:buChar char="•"/>
+            </a:pPr>
+            <a:r>
+              <a:rPr lang="en-US" dirty="0">
+                <a:solidFill>
+                  <a:schemeClr val="tx1"/>
+                </a:solidFill>
+                <a:latin typeface="Times New Roman" panose="02020603050405020304" pitchFamily="18" charset="0"/>
+                <a:cs typeface="Times New Roman" panose="02020603050405020304" pitchFamily="18" charset="0"/>
+              </a:rPr>
+              <a:t>Product should be properly tested before launch.</a:t>
+            </a:r>
+          </a:p>
+          <a:p>
+            <a:pPr marL="514350" indent="-514350" algn="just">
+              <a:buFont typeface="Arial" panose="020B0604020202020204" pitchFamily="34" charset="0"/>
+              <a:buChar char="•"/>
+            </a:pPr>
+            <a:r>
+              <a:rPr lang="en-US" dirty="0">
+                <a:solidFill>
+                  <a:schemeClr val="tx1"/>
+                </a:solidFill>
+                <a:latin typeface="Times New Roman" panose="02020603050405020304" pitchFamily="18" charset="0"/>
+                <a:cs typeface="Times New Roman" panose="02020603050405020304" pitchFamily="18" charset="0"/>
+              </a:rPr>
+              <a:t>Avoid cheaper technology.</a:t>
+            </a:r>
+          </a:p>
+          <a:p>
+            <a:pPr marL="514350" indent="-514350" algn="just">
+              <a:buFont typeface="Arial" panose="020B0604020202020204" pitchFamily="34" charset="0"/>
+              <a:buChar char="•"/>
+            </a:pPr>
+            <a:r>
+              <a:rPr lang="en-US" dirty="0">
+                <a:solidFill>
+                  <a:schemeClr val="tx1"/>
+                </a:solidFill>
+                <a:latin typeface="Times New Roman" panose="02020603050405020304" pitchFamily="18" charset="0"/>
+                <a:cs typeface="Times New Roman" panose="02020603050405020304" pitchFamily="18" charset="0"/>
+              </a:rPr>
+              <a:t>Short profits must be ignored.</a:t>
+            </a:r>
+          </a:p>
+          <a:p>
+            <a:pPr marL="514350" indent="-514350" algn="just">
+              <a:buFont typeface="Arial" panose="020B0604020202020204" pitchFamily="34" charset="0"/>
+              <a:buChar char="•"/>
+            </a:pPr>
+            <a:r>
+              <a:rPr lang="en-US" dirty="0">
+                <a:solidFill>
+                  <a:schemeClr val="tx1"/>
+                </a:solidFill>
+                <a:latin typeface="Times New Roman" panose="02020603050405020304" pitchFamily="18" charset="0"/>
+                <a:cs typeface="Times New Roman" panose="02020603050405020304" pitchFamily="18" charset="0"/>
+              </a:rPr>
+              <a:t>Customer’s satisfaction should be priority.</a:t>
+            </a:r>
+          </a:p>
+          <a:p>
+            <a:pPr marL="514350" indent="-514350" algn="just">
+              <a:buFont typeface="Arial" panose="020B0604020202020204" pitchFamily="34" charset="0"/>
+              <a:buChar char="•"/>
+            </a:pPr>
+            <a:r>
+              <a:rPr lang="en-US" dirty="0">
+                <a:solidFill>
+                  <a:schemeClr val="tx1"/>
+                </a:solidFill>
+                <a:latin typeface="Times New Roman" panose="02020603050405020304" pitchFamily="18" charset="0"/>
+                <a:cs typeface="Times New Roman" panose="02020603050405020304" pitchFamily="18" charset="0"/>
+              </a:rPr>
+              <a:t>Introducing and inducing Code of Ethics for Software Engineers .</a:t>
+            </a:r>
+          </a:p>
+          <a:p>
+            <a:pPr marL="514350" indent="-514350" algn="just">
+              <a:buFont typeface="Arial" panose="020B0604020202020204" pitchFamily="34" charset="0"/>
+              <a:buChar char="•"/>
+            </a:pPr>
+            <a:r>
+              <a:rPr lang="en-US" dirty="0">
+                <a:solidFill>
+                  <a:schemeClr val="tx1"/>
+                </a:solidFill>
+                <a:latin typeface="Times New Roman" panose="02020603050405020304" pitchFamily="18" charset="0"/>
+                <a:cs typeface="Times New Roman" panose="02020603050405020304" pitchFamily="18" charset="0"/>
+              </a:rPr>
+              <a:t>Involvement of  independent third party for environmental certification.</a:t>
+            </a:r>
           </a:p>
         </p:txBody>
       </p:sp>
     </p:spTree>
     <p:extLst>
       <p:ext uri="{BB962C8B-B14F-4D97-AF65-F5344CB8AC3E}">
-        <p14:creationId xmlns:p14="http://schemas.microsoft.com/office/powerpoint/2010/main" val="1197921222"/>
+        <p14:creationId xmlns:p14="http://schemas.microsoft.com/office/powerpoint/2010/main" val="2509418358"/>
       </p:ext>
     </p:extLst>
   </p:cSld>
@@ -5286,4 +6362,289 @@
   <a:objectDefaults/>
   <a:extraClrSchemeLst/>
 </a:theme>
+</file>
+
+<file path=ppt/theme/theme2.xml><?xml version="1.0" encoding="utf-8"?>
+<a:theme xmlns:a="http://schemas.openxmlformats.org/drawingml/2006/main" name="Office Theme">
+  <a:themeElements>
+    <a:clrScheme name="Office">
+      <a:dk1>
+        <a:sysClr val="windowText" lastClr="000000"/>
+      </a:dk1>
+      <a:lt1>
+        <a:sysClr val="window" lastClr="FFFFFF"/>
+      </a:lt1>
+      <a:dk2>
+        <a:srgbClr val="1F497D"/>
+      </a:dk2>
+      <a:lt2>
+        <a:srgbClr val="EEECE1"/>
+      </a:lt2>
+      <a:accent1>
+        <a:srgbClr val="4F81BD"/>
+      </a:accent1>
+      <a:accent2>
+        <a:srgbClr val="C0504D"/>
+      </a:accent2>
+      <a:accent3>
+        <a:srgbClr val="9BBB59"/>
+      </a:accent3>
+      <a:accent4>
+        <a:srgbClr val="8064A2"/>
+      </a:accent4>
+      <a:accent5>
+        <a:srgbClr val="4BACC6"/>
+      </a:accent5>
+      <a:accent6>
+        <a:srgbClr val="F79646"/>
+      </a:accent6>
+      <a:hlink>
+        <a:srgbClr val="0000FF"/>
+      </a:hlink>
+      <a:folHlink>
+        <a:srgbClr val="800080"/>
+      </a:folHlink>
+    </a:clrScheme>
+    <a:fontScheme name="Office">
+      <a:majorFont>
+        <a:latin typeface="Calibri"/>
+        <a:ea typeface=""/>
+        <a:cs typeface=""/>
+        <a:font script="Jpan" typeface="ＭＳ Ｐゴシック"/>
+        <a:font script="Hang" typeface="맑은 고딕"/>
+        <a:font script="Hans" typeface="宋体"/>
+        <a:font script="Hant" typeface="新細明體"/>
+        <a:font script="Arab" typeface="Times New Roman"/>
+        <a:font script="Hebr" typeface="Times New Roman"/>
+        <a:font script="Thai" typeface="Angsana New"/>
+        <a:font script="Ethi" typeface="Nyala"/>
+        <a:font script="Beng" typeface="Vrinda"/>
+        <a:font script="Gujr" typeface="Shruti"/>
+        <a:font script="Khmr" typeface="MoolBoran"/>
+        <a:font script="Knda" typeface="Tunga"/>
+        <a:font script="Guru" typeface="Raavi"/>
+        <a:font script="Cans" typeface="Euphemia"/>
+        <a:font script="Cher" typeface="Plantagenet Cherokee"/>
+        <a:font script="Yiii" typeface="Microsoft Yi Baiti"/>
+        <a:font script="Tibt" typeface="Microsoft Himalaya"/>
+        <a:font script="Thaa" typeface="MV Boli"/>
+        <a:font script="Deva" typeface="Mangal"/>
+        <a:font script="Telu" typeface="Gautami"/>
+        <a:font script="Taml" typeface="Latha"/>
+        <a:font script="Syrc" typeface="Estrangelo Edessa"/>
+        <a:font script="Orya" typeface="Kalinga"/>
+        <a:font script="Mlym" typeface="Kartika"/>
+        <a:font script="Laoo" typeface="DokChampa"/>
+        <a:font script="Sinh" typeface="Iskoola Pota"/>
+        <a:font script="Mong" typeface="Mongolian Baiti"/>
+        <a:font script="Viet" typeface="Times New Roman"/>
+        <a:font script="Uigh" typeface="Microsoft Uighur"/>
+        <a:font script="Geor" typeface="Sylfaen"/>
+      </a:majorFont>
+      <a:minorFont>
+        <a:latin typeface="Calibri"/>
+        <a:ea typeface=""/>
+        <a:cs typeface=""/>
+        <a:font script="Jpan" typeface="ＭＳ Ｐゴシック"/>
+        <a:font script="Hang" typeface="맑은 고딕"/>
+        <a:font script="Hans" typeface="宋体"/>
+        <a:font script="Hant" typeface="新細明體"/>
+        <a:font script="Arab" typeface="Arial"/>
+        <a:font script="Hebr" typeface="Arial"/>
+        <a:font script="Thai" typeface="Cordia New"/>
+        <a:font script="Ethi" typeface="Nyala"/>
+        <a:font script="Beng" typeface="Vrinda"/>
+        <a:font script="Gujr" typeface="Shruti"/>
+        <a:font script="Khmr" typeface="DaunPenh"/>
+        <a:font script="Knda" typeface="Tunga"/>
+        <a:font script="Guru" typeface="Raavi"/>
+        <a:font script="Cans" typeface="Euphemia"/>
+        <a:font script="Cher" typeface="Plantagenet Cherokee"/>
+        <a:font script="Yiii" typeface="Microsoft Yi Baiti"/>
+        <a:font script="Tibt" typeface="Microsoft Himalaya"/>
+        <a:font script="Thaa" typeface="MV Boli"/>
+        <a:font script="Deva" typeface="Mangal"/>
+        <a:font script="Telu" typeface="Gautami"/>
+        <a:font script="Taml" typeface="Latha"/>
+        <a:font script="Syrc" typeface="Estrangelo Edessa"/>
+        <a:font script="Orya" typeface="Kalinga"/>
+        <a:font script="Mlym" typeface="Kartika"/>
+        <a:font script="Laoo" typeface="DokChampa"/>
+        <a:font script="Sinh" typeface="Iskoola Pota"/>
+        <a:font script="Mong" typeface="Mongolian Baiti"/>
+        <a:font script="Viet" typeface="Arial"/>
+        <a:font script="Uigh" typeface="Microsoft Uighur"/>
+        <a:font script="Geor" typeface="Sylfaen"/>
+      </a:minorFont>
+    </a:fontScheme>
+    <a:fmtScheme name="Office">
+      <a:fillStyleLst>
+        <a:solidFill>
+          <a:schemeClr val="phClr"/>
+        </a:solidFill>
+        <a:gradFill rotWithShape="1">
+          <a:gsLst>
+            <a:gs pos="0">
+              <a:schemeClr val="phClr">
+                <a:tint val="50000"/>
+                <a:satMod val="300000"/>
+              </a:schemeClr>
+            </a:gs>
+            <a:gs pos="35000">
+              <a:schemeClr val="phClr">
+                <a:tint val="37000"/>
+                <a:satMod val="300000"/>
+              </a:schemeClr>
+            </a:gs>
+            <a:gs pos="100000">
+              <a:schemeClr val="phClr">
+                <a:tint val="15000"/>
+                <a:satMod val="350000"/>
+              </a:schemeClr>
+            </a:gs>
+          </a:gsLst>
+          <a:lin ang="16200000" scaled="1"/>
+        </a:gradFill>
+        <a:gradFill rotWithShape="1">
+          <a:gsLst>
+            <a:gs pos="0">
+              <a:schemeClr val="phClr">
+                <a:shade val="51000"/>
+                <a:satMod val="130000"/>
+              </a:schemeClr>
+            </a:gs>
+            <a:gs pos="80000">
+              <a:schemeClr val="phClr">
+                <a:shade val="93000"/>
+                <a:satMod val="130000"/>
+              </a:schemeClr>
+            </a:gs>
+            <a:gs pos="100000">
+              <a:schemeClr val="phClr">
+                <a:shade val="94000"/>
+                <a:satMod val="135000"/>
+              </a:schemeClr>
+            </a:gs>
+          </a:gsLst>
+          <a:lin ang="16200000" scaled="0"/>
+        </a:gradFill>
+      </a:fillStyleLst>
+      <a:lnStyleLst>
+        <a:ln w="9525" cap="flat" cmpd="sng" algn="ctr">
+          <a:solidFill>
+            <a:schemeClr val="phClr">
+              <a:shade val="95000"/>
+              <a:satMod val="105000"/>
+            </a:schemeClr>
+          </a:solidFill>
+          <a:prstDash val="solid"/>
+        </a:ln>
+        <a:ln w="25400" cap="flat" cmpd="sng" algn="ctr">
+          <a:solidFill>
+            <a:schemeClr val="phClr"/>
+          </a:solidFill>
+          <a:prstDash val="solid"/>
+        </a:ln>
+        <a:ln w="38100" cap="flat" cmpd="sng" algn="ctr">
+          <a:solidFill>
+            <a:schemeClr val="phClr"/>
+          </a:solidFill>
+          <a:prstDash val="solid"/>
+        </a:ln>
+      </a:lnStyleLst>
+      <a:effectStyleLst>
+        <a:effectStyle>
+          <a:effectLst>
+            <a:outerShdw blurRad="40000" dist="20000" dir="5400000" rotWithShape="0">
+              <a:srgbClr val="000000">
+                <a:alpha val="38000"/>
+              </a:srgbClr>
+            </a:outerShdw>
+          </a:effectLst>
+        </a:effectStyle>
+        <a:effectStyle>
+          <a:effectLst>
+            <a:outerShdw blurRad="40000" dist="23000" dir="5400000" rotWithShape="0">
+              <a:srgbClr val="000000">
+                <a:alpha val="35000"/>
+              </a:srgbClr>
+            </a:outerShdw>
+          </a:effectLst>
+        </a:effectStyle>
+        <a:effectStyle>
+          <a:effectLst>
+            <a:outerShdw blurRad="40000" dist="23000" dir="5400000" rotWithShape="0">
+              <a:srgbClr val="000000">
+                <a:alpha val="35000"/>
+              </a:srgbClr>
+            </a:outerShdw>
+          </a:effectLst>
+          <a:scene3d>
+            <a:camera prst="orthographicFront">
+              <a:rot lat="0" lon="0" rev="0"/>
+            </a:camera>
+            <a:lightRig rig="threePt" dir="t">
+              <a:rot lat="0" lon="0" rev="1200000"/>
+            </a:lightRig>
+          </a:scene3d>
+          <a:sp3d>
+            <a:bevelT w="63500" h="25400"/>
+          </a:sp3d>
+        </a:effectStyle>
+      </a:effectStyleLst>
+      <a:bgFillStyleLst>
+        <a:solidFill>
+          <a:schemeClr val="phClr"/>
+        </a:solidFill>
+        <a:gradFill rotWithShape="1">
+          <a:gsLst>
+            <a:gs pos="0">
+              <a:schemeClr val="phClr">
+                <a:tint val="40000"/>
+                <a:satMod val="350000"/>
+              </a:schemeClr>
+            </a:gs>
+            <a:gs pos="40000">
+              <a:schemeClr val="phClr">
+                <a:tint val="45000"/>
+                <a:shade val="99000"/>
+                <a:satMod val="350000"/>
+              </a:schemeClr>
+            </a:gs>
+            <a:gs pos="100000">
+              <a:schemeClr val="phClr">
+                <a:shade val="20000"/>
+                <a:satMod val="255000"/>
+              </a:schemeClr>
+            </a:gs>
+          </a:gsLst>
+          <a:path path="circle">
+            <a:fillToRect l="50000" t="-80000" r="50000" b="180000"/>
+          </a:path>
+        </a:gradFill>
+        <a:gradFill rotWithShape="1">
+          <a:gsLst>
+            <a:gs pos="0">
+              <a:schemeClr val="phClr">
+                <a:tint val="80000"/>
+                <a:satMod val="300000"/>
+              </a:schemeClr>
+            </a:gs>
+            <a:gs pos="100000">
+              <a:schemeClr val="phClr">
+                <a:shade val="30000"/>
+                <a:satMod val="200000"/>
+              </a:schemeClr>
+            </a:gs>
+          </a:gsLst>
+          <a:path path="circle">
+            <a:fillToRect l="50000" t="50000" r="50000" b="50000"/>
+          </a:path>
+        </a:gradFill>
+      </a:bgFillStyleLst>
+    </a:fmtScheme>
+  </a:themeElements>
+  <a:objectDefaults/>
+  <a:extraClrSchemeLst/>
+</a:theme>
 </file>